--- a/12_Dockerfile.pptx
+++ b/12_Dockerfile.pptx
@@ -5,21 +5,24 @@
     <p:sldMasterId id="2147483648" r:id="rId1"/>
   </p:sldMasterIdLst>
   <p:notesMasterIdLst>
-    <p:notesMasterId r:id="rId14"/>
+    <p:notesMasterId r:id="rId17"/>
   </p:notesMasterIdLst>
   <p:sldIdLst>
     <p:sldId id="256" r:id="rId2"/>
     <p:sldId id="265" r:id="rId3"/>
     <p:sldId id="269" r:id="rId4"/>
     <p:sldId id="270" r:id="rId5"/>
-    <p:sldId id="271" r:id="rId6"/>
-    <p:sldId id="272" r:id="rId7"/>
-    <p:sldId id="276" r:id="rId8"/>
-    <p:sldId id="273" r:id="rId9"/>
-    <p:sldId id="274" r:id="rId10"/>
-    <p:sldId id="277" r:id="rId11"/>
-    <p:sldId id="275" r:id="rId12"/>
-    <p:sldId id="259" r:id="rId13"/>
+    <p:sldId id="278" r:id="rId6"/>
+    <p:sldId id="280" r:id="rId7"/>
+    <p:sldId id="279" r:id="rId8"/>
+    <p:sldId id="271" r:id="rId9"/>
+    <p:sldId id="272" r:id="rId10"/>
+    <p:sldId id="276" r:id="rId11"/>
+    <p:sldId id="273" r:id="rId12"/>
+    <p:sldId id="274" r:id="rId13"/>
+    <p:sldId id="277" r:id="rId14"/>
+    <p:sldId id="275" r:id="rId15"/>
+    <p:sldId id="259" r:id="rId16"/>
   </p:sldIdLst>
   <p:sldSz cx="9144000" cy="6858000" type="screen4x3"/>
   <p:notesSz cx="6858000" cy="9144000"/>
@@ -220,7 +223,7 @@
             <a:fld id="{6837EDA8-41C8-4B24-A206-13C08A65A6D7}" type="datetimeFigureOut">
               <a:rPr lang="zh-TW" altLang="en-US" smtClean="0"/>
               <a:pPr/>
-              <a:t>2020/4/28</a:t>
+              <a:t>2021/12/11</a:t>
             </a:fld>
             <a:endParaRPr lang="zh-TW" altLang="en-US"/>
           </a:p>
@@ -673,7 +676,7 @@
             <a:fld id="{8B85509C-BD4F-47BF-9B1E-FC2E949B3621}" type="datetime1">
               <a:rPr lang="zh-TW" altLang="en-US" smtClean="0"/>
               <a:pPr/>
-              <a:t>2020/4/28</a:t>
+              <a:t>2021/12/11</a:t>
             </a:fld>
             <a:endParaRPr lang="zh-TW" altLang="en-US"/>
           </a:p>
@@ -846,7 +849,7 @@
             <a:fld id="{42251B24-F787-4C15-8A0F-7AEC20C70069}" type="datetime1">
               <a:rPr lang="zh-TW" altLang="en-US" smtClean="0"/>
               <a:pPr/>
-              <a:t>2020/4/28</a:t>
+              <a:t>2021/12/11</a:t>
             </a:fld>
             <a:endParaRPr lang="zh-TW" altLang="en-US"/>
           </a:p>
@@ -1021,7 +1024,7 @@
             <a:fld id="{9CA0D33C-CE2B-45F1-B8D4-FFD1F131F331}" type="datetime1">
               <a:rPr lang="zh-TW" altLang="en-US" smtClean="0"/>
               <a:pPr/>
-              <a:t>2020/4/28</a:t>
+              <a:t>2021/12/11</a:t>
             </a:fld>
             <a:endParaRPr lang="zh-TW" altLang="en-US"/>
           </a:p>
@@ -1186,7 +1189,7 @@
             <a:fld id="{50B99440-D9EF-40CC-9B52-F6428D9B2C76}" type="datetime1">
               <a:rPr lang="zh-TW" altLang="en-US" smtClean="0"/>
               <a:pPr/>
-              <a:t>2020/4/28</a:t>
+              <a:t>2021/12/11</a:t>
             </a:fld>
             <a:endParaRPr lang="zh-TW" altLang="en-US"/>
           </a:p>
@@ -1428,7 +1431,7 @@
             <a:fld id="{0871BF52-5C6C-4959-8E27-CECB68D39FE4}" type="datetime1">
               <a:rPr lang="zh-TW" altLang="en-US" smtClean="0"/>
               <a:pPr/>
-              <a:t>2020/4/28</a:t>
+              <a:t>2021/12/11</a:t>
             </a:fld>
             <a:endParaRPr lang="zh-TW" altLang="en-US"/>
           </a:p>
@@ -1710,7 +1713,7 @@
             <a:fld id="{DF863F05-2DD9-4EB1-A827-12FD992DE9DC}" type="datetime1">
               <a:rPr lang="zh-TW" altLang="en-US" smtClean="0"/>
               <a:pPr/>
-              <a:t>2020/4/28</a:t>
+              <a:t>2021/12/11</a:t>
             </a:fld>
             <a:endParaRPr lang="zh-TW" altLang="en-US"/>
           </a:p>
@@ -2126,7 +2129,7 @@
             <a:fld id="{6339AF51-4491-4873-A096-75DB6CE47516}" type="datetime1">
               <a:rPr lang="zh-TW" altLang="en-US" smtClean="0"/>
               <a:pPr/>
-              <a:t>2020/4/28</a:t>
+              <a:t>2021/12/11</a:t>
             </a:fld>
             <a:endParaRPr lang="zh-TW" altLang="en-US"/>
           </a:p>
@@ -2240,7 +2243,7 @@
             <a:fld id="{EE4AD9C8-8B9E-40FF-ABE2-858AC2057BBB}" type="datetime1">
               <a:rPr lang="zh-TW" altLang="en-US" smtClean="0"/>
               <a:pPr/>
-              <a:t>2020/4/28</a:t>
+              <a:t>2021/12/11</a:t>
             </a:fld>
             <a:endParaRPr lang="zh-TW" altLang="en-US"/>
           </a:p>
@@ -2332,7 +2335,7 @@
             <a:fld id="{B4784999-BBBE-4BE4-A8D0-877E7D1D66CC}" type="datetime1">
               <a:rPr lang="zh-TW" altLang="en-US" smtClean="0"/>
               <a:pPr/>
-              <a:t>2020/4/28</a:t>
+              <a:t>2021/12/11</a:t>
             </a:fld>
             <a:endParaRPr lang="zh-TW" altLang="en-US"/>
           </a:p>
@@ -2604,7 +2607,7 @@
             <a:fld id="{E88D17E6-02BD-4944-B9FE-7BFCCBF83D48}" type="datetime1">
               <a:rPr lang="zh-TW" altLang="en-US" smtClean="0"/>
               <a:pPr/>
-              <a:t>2020/4/28</a:t>
+              <a:t>2021/12/11</a:t>
             </a:fld>
             <a:endParaRPr lang="zh-TW" altLang="en-US"/>
           </a:p>
@@ -2853,7 +2856,7 @@
             <a:fld id="{3C13E23D-1FEF-4D78-A3A3-3D6F2BB31954}" type="datetime1">
               <a:rPr lang="zh-TW" altLang="en-US" smtClean="0"/>
               <a:pPr/>
-              <a:t>2020/4/28</a:t>
+              <a:t>2021/12/11</a:t>
             </a:fld>
             <a:endParaRPr lang="zh-TW" altLang="en-US"/>
           </a:p>
@@ -3061,7 +3064,7 @@
             <a:fld id="{06197F35-AD6F-4594-8B50-334492D2E7E8}" type="datetime1">
               <a:rPr lang="zh-TW" altLang="en-US" smtClean="0"/>
               <a:pPr/>
-              <a:t>2020/4/28</a:t>
+              <a:t>2021/12/11</a:t>
             </a:fld>
             <a:endParaRPr lang="zh-TW" altLang="en-US"/>
           </a:p>
@@ -3530,7 +3533,7 @@
             <a:fld id="{C389EDC9-19E3-47AC-9C57-C6A24DEA81AD}" type="datetime1">
               <a:rPr lang="zh-TW" altLang="en-US" smtClean="0"/>
               <a:pPr/>
-              <a:t>2020/4/28</a:t>
+              <a:t>2021/12/11</a:t>
             </a:fld>
             <a:endParaRPr lang="zh-TW" altLang="en-US"/>
           </a:p>
@@ -3646,7 +3649,7 @@
                   <a:srgbClr val="FFFF00"/>
                 </a:solidFill>
               </a:rPr>
-              <a:t>12.3 Docker Run</a:t>
+              <a:t>12.2 Docker Build</a:t>
             </a:r>
             <a:endParaRPr lang="zh-TW" altLang="en-US" sz="4800" b="1" dirty="0">
               <a:solidFill>
@@ -3674,7 +3677,7 @@
             <a:fld id="{C389EDC9-19E3-47AC-9C57-C6A24DEA81AD}" type="datetime1">
               <a:rPr lang="zh-TW" altLang="en-US" smtClean="0"/>
               <a:pPr/>
-              <a:t>2020/4/28</a:t>
+              <a:t>2021/12/11</a:t>
             </a:fld>
             <a:endParaRPr lang="zh-TW" altLang="en-US"/>
           </a:p>
@@ -3699,6 +3702,855 @@
               <a:rPr lang="zh-TW" altLang="en-US" smtClean="0"/>
               <a:pPr/>
               <a:t>10</a:t>
+            </a:fld>
+            <a:endParaRPr lang="zh-TW" altLang="en-US"/>
+          </a:p>
+        </p:txBody>
+      </p:sp>
+      <p:pic>
+        <p:nvPicPr>
+          <p:cNvPr id="4" name="Picture 3">
+            <a:extLst>
+              <a:ext uri="{FF2B5EF4-FFF2-40B4-BE49-F238E27FC236}">
+                <a16:creationId xmlns:a16="http://schemas.microsoft.com/office/drawing/2014/main" id="{BA95816A-DA60-4F4F-A8F7-8C670708D156}"/>
+              </a:ext>
+            </a:extLst>
+          </p:cNvPr>
+          <p:cNvPicPr>
+            <a:picLocks noChangeAspect="1"/>
+          </p:cNvPicPr>
+          <p:nvPr/>
+        </p:nvPicPr>
+        <p:blipFill>
+          <a:blip r:embed="rId2"/>
+          <a:stretch>
+            <a:fillRect/>
+          </a:stretch>
+        </p:blipFill>
+        <p:spPr>
+          <a:xfrm>
+            <a:off x="3707904" y="3717032"/>
+            <a:ext cx="1404739" cy="936493"/>
+          </a:xfrm>
+          <a:prstGeom prst="rect">
+            <a:avLst/>
+          </a:prstGeom>
+        </p:spPr>
+      </p:pic>
+    </p:spTree>
+    <p:extLst>
+      <p:ext uri="{BB962C8B-B14F-4D97-AF65-F5344CB8AC3E}">
+        <p14:creationId xmlns:p14="http://schemas.microsoft.com/office/powerpoint/2010/main" val="3948676310"/>
+      </p:ext>
+    </p:extLst>
+  </p:cSld>
+  <p:clrMapOvr>
+    <a:masterClrMapping/>
+  </p:clrMapOvr>
+</p:sld>
+</file>
+
+<file path=ppt/slides/slide11.xml><?xml version="1.0" encoding="utf-8"?>
+<p:sld xmlns:a="http://schemas.openxmlformats.org/drawingml/2006/main" xmlns:r="http://schemas.openxmlformats.org/officeDocument/2006/relationships" xmlns:p="http://schemas.openxmlformats.org/presentationml/2006/main">
+  <p:cSld>
+    <p:spTree>
+      <p:nvGrpSpPr>
+        <p:cNvPr id="1" name=""/>
+        <p:cNvGrpSpPr/>
+        <p:nvPr/>
+      </p:nvGrpSpPr>
+      <p:grpSpPr>
+        <a:xfrm>
+          <a:off x="0" y="0"/>
+          <a:ext cx="0" cy="0"/>
+          <a:chOff x="0" y="0"/>
+          <a:chExt cx="0" cy="0"/>
+        </a:xfrm>
+      </p:grpSpPr>
+      <p:sp>
+        <p:nvSpPr>
+          <p:cNvPr id="2" name="標題 1"/>
+          <p:cNvSpPr>
+            <a:spLocks noGrp="1"/>
+          </p:cNvSpPr>
+          <p:nvPr>
+            <p:ph type="ctrTitle"/>
+          </p:nvPr>
+        </p:nvSpPr>
+        <p:spPr>
+          <a:xfrm>
+            <a:off x="0" y="1"/>
+            <a:ext cx="9144000" cy="764704"/>
+          </a:xfrm>
+          <a:gradFill flip="none" rotWithShape="1">
+            <a:gsLst>
+              <a:gs pos="0">
+                <a:srgbClr val="C00000">
+                  <a:shade val="30000"/>
+                  <a:satMod val="115000"/>
+                </a:srgbClr>
+              </a:gs>
+              <a:gs pos="50000">
+                <a:srgbClr val="C00000">
+                  <a:shade val="67500"/>
+                  <a:satMod val="115000"/>
+                </a:srgbClr>
+              </a:gs>
+              <a:gs pos="100000">
+                <a:srgbClr val="C00000">
+                  <a:shade val="100000"/>
+                  <a:satMod val="115000"/>
+                </a:srgbClr>
+              </a:gs>
+            </a:gsLst>
+            <a:path path="circle">
+              <a:fillToRect t="100000" r="100000"/>
+            </a:path>
+            <a:tileRect l="-100000" b="-100000"/>
+          </a:gradFill>
+        </p:spPr>
+        <p:txBody>
+          <a:bodyPr>
+            <a:normAutofit/>
+          </a:bodyPr>
+          <a:lstStyle/>
+          <a:p>
+            <a:pPr algn="l"/>
+            <a:r>
+              <a:rPr lang="en-US" altLang="zh-TW" b="1" dirty="0">
+                <a:solidFill>
+                  <a:srgbClr val="FFFF00"/>
+                </a:solidFill>
+              </a:rPr>
+              <a:t>12.2 Docker Build</a:t>
+            </a:r>
+            <a:endParaRPr lang="zh-TW" altLang="en-US" b="1" dirty="0">
+              <a:solidFill>
+                <a:srgbClr val="FFFF00"/>
+              </a:solidFill>
+            </a:endParaRPr>
+          </a:p>
+        </p:txBody>
+      </p:sp>
+      <p:sp>
+        <p:nvSpPr>
+          <p:cNvPr id="3" name="副標題 2"/>
+          <p:cNvSpPr>
+            <a:spLocks noGrp="1"/>
+          </p:cNvSpPr>
+          <p:nvPr>
+            <p:ph type="subTitle" idx="1"/>
+          </p:nvPr>
+        </p:nvSpPr>
+        <p:spPr>
+          <a:xfrm>
+            <a:off x="467543" y="1268760"/>
+            <a:ext cx="8219257" cy="1512168"/>
+          </a:xfrm>
+          <a:ln>
+            <a:solidFill>
+              <a:srgbClr val="C00000"/>
+            </a:solidFill>
+          </a:ln>
+        </p:spPr>
+        <p:txBody>
+          <a:bodyPr>
+            <a:noAutofit/>
+          </a:bodyPr>
+          <a:lstStyle/>
+          <a:p>
+            <a:pPr marL="342900" indent="-342900" algn="l">
+              <a:buClr>
+                <a:srgbClr val="0070C0"/>
+              </a:buClr>
+              <a:buSzPct val="80000"/>
+              <a:buFont typeface="Wingdings" pitchFamily="2" charset="2"/>
+              <a:buChar char="u"/>
+            </a:pPr>
+            <a:r>
+              <a:rPr lang="en-US" sz="1800" b="1" dirty="0">
+                <a:solidFill>
+                  <a:schemeClr val="tx1"/>
+                </a:solidFill>
+              </a:rPr>
+              <a:t>Docker Build</a:t>
+            </a:r>
+          </a:p>
+          <a:p>
+            <a:pPr marL="342900" indent="-342900" algn="l">
+              <a:buClr>
+                <a:srgbClr val="0070C0"/>
+              </a:buClr>
+              <a:buSzPct val="80000"/>
+              <a:buFont typeface="Wingdings" pitchFamily="2" charset="2"/>
+              <a:buChar char="u"/>
+            </a:pPr>
+            <a:r>
+              <a:rPr lang="en-US" sz="1800" b="1" dirty="0">
+                <a:solidFill>
+                  <a:schemeClr val="tx1"/>
+                </a:solidFill>
+              </a:rPr>
+              <a:t>&gt; docker build -t firstimage:1.0 .</a:t>
+            </a:r>
+          </a:p>
+          <a:p>
+            <a:pPr marL="342900" indent="-342900" algn="l">
+              <a:buClr>
+                <a:srgbClr val="0070C0"/>
+              </a:buClr>
+              <a:buSzPct val="80000"/>
+              <a:buFont typeface="Wingdings" pitchFamily="2" charset="2"/>
+              <a:buChar char="u"/>
+            </a:pPr>
+            <a:r>
+              <a:rPr lang="en-US" sz="1800" b="1" dirty="0">
+                <a:solidFill>
+                  <a:schemeClr val="tx1"/>
+                </a:solidFill>
+              </a:rPr>
+              <a:t>Note: -t: tag .: current folder</a:t>
+            </a:r>
+          </a:p>
+          <a:p>
+            <a:pPr marL="342900" indent="-342900" algn="l">
+              <a:buClr>
+                <a:srgbClr val="0070C0"/>
+              </a:buClr>
+              <a:buSzPct val="80000"/>
+              <a:buFont typeface="Wingdings" pitchFamily="2" charset="2"/>
+              <a:buChar char="u"/>
+            </a:pPr>
+            <a:r>
+              <a:rPr lang="en-US" sz="1800" b="1" dirty="0">
+                <a:solidFill>
+                  <a:schemeClr val="tx1"/>
+                </a:solidFill>
+              </a:rPr>
+              <a:t>“docker build” will use Dockerfile to build the specified images name “firstimage”. </a:t>
+            </a:r>
+          </a:p>
+        </p:txBody>
+      </p:sp>
+      <p:sp>
+        <p:nvSpPr>
+          <p:cNvPr id="4" name="標題 1"/>
+          <p:cNvSpPr txBox="1">
+            <a:spLocks/>
+          </p:cNvSpPr>
+          <p:nvPr/>
+        </p:nvSpPr>
+        <p:spPr>
+          <a:xfrm>
+            <a:off x="0" y="764704"/>
+            <a:ext cx="9144000" cy="360040"/>
+          </a:xfrm>
+          <a:prstGeom prst="rect">
+            <a:avLst/>
+          </a:prstGeom>
+          <a:gradFill flip="none" rotWithShape="1">
+            <a:gsLst>
+              <a:gs pos="0">
+                <a:srgbClr val="00B0F0">
+                  <a:shade val="30000"/>
+                  <a:satMod val="115000"/>
+                </a:srgbClr>
+              </a:gs>
+              <a:gs pos="50000">
+                <a:srgbClr val="00B0F0">
+                  <a:shade val="67500"/>
+                  <a:satMod val="115000"/>
+                </a:srgbClr>
+              </a:gs>
+              <a:gs pos="100000">
+                <a:srgbClr val="00B0F0">
+                  <a:shade val="100000"/>
+                  <a:satMod val="115000"/>
+                </a:srgbClr>
+              </a:gs>
+            </a:gsLst>
+            <a:path path="circle">
+              <a:fillToRect t="100000" r="100000"/>
+            </a:path>
+            <a:tileRect l="-100000" b="-100000"/>
+          </a:gradFill>
+        </p:spPr>
+        <p:txBody>
+          <a:bodyPr vert="horz" lIns="91440" tIns="45720" rIns="91440" bIns="45720" rtlCol="0" anchor="ctr">
+            <a:normAutofit/>
+          </a:bodyPr>
+          <a:lstStyle/>
+          <a:p>
+            <a:pPr lvl="0">
+              <a:spcBef>
+                <a:spcPct val="0"/>
+              </a:spcBef>
+            </a:pPr>
+            <a:r>
+              <a:rPr lang="en-US" sz="1600" dirty="0">
+                <a:hlinkClick r:id="rId2"/>
+              </a:rPr>
+              <a:t>https://www.youtube.com/watch?v=LQjaJINkQXY&amp;list=PLhW3qG5bs-L99pQsZ74f-LC-tOEsBp2rK&amp;index=12</a:t>
+            </a:r>
+            <a:endParaRPr lang="zh-TW" altLang="en-US" sz="1600" dirty="0"/>
+          </a:p>
+        </p:txBody>
+      </p:sp>
+      <p:sp>
+        <p:nvSpPr>
+          <p:cNvPr id="5" name="日期版面配置區 4"/>
+          <p:cNvSpPr>
+            <a:spLocks noGrp="1"/>
+          </p:cNvSpPr>
+          <p:nvPr>
+            <p:ph type="dt" sz="half" idx="10"/>
+          </p:nvPr>
+        </p:nvSpPr>
+        <p:spPr/>
+        <p:txBody>
+          <a:bodyPr/>
+          <a:lstStyle/>
+          <a:p>
+            <a:fld id="{A4F910E6-8D00-4BAF-8C48-9688E0B449D3}" type="datetime1">
+              <a:rPr lang="zh-TW" altLang="en-US" smtClean="0"/>
+              <a:pPr/>
+              <a:t>2021/12/11</a:t>
+            </a:fld>
+            <a:endParaRPr lang="zh-TW" altLang="en-US"/>
+          </a:p>
+        </p:txBody>
+      </p:sp>
+      <p:sp>
+        <p:nvSpPr>
+          <p:cNvPr id="6" name="投影片編號版面配置區 5"/>
+          <p:cNvSpPr>
+            <a:spLocks noGrp="1"/>
+          </p:cNvSpPr>
+          <p:nvPr>
+            <p:ph type="sldNum" sz="quarter" idx="12"/>
+          </p:nvPr>
+        </p:nvSpPr>
+        <p:spPr/>
+        <p:txBody>
+          <a:bodyPr/>
+          <a:lstStyle/>
+          <a:p>
+            <a:fld id="{E4D7E63D-91F2-4366-A2C4-1B00C9E2590E}" type="slidenum">
+              <a:rPr lang="zh-TW" altLang="en-US" smtClean="0"/>
+              <a:pPr/>
+              <a:t>11</a:t>
+            </a:fld>
+            <a:endParaRPr lang="zh-TW" altLang="en-US"/>
+          </a:p>
+        </p:txBody>
+      </p:sp>
+      <p:pic>
+        <p:nvPicPr>
+          <p:cNvPr id="8" name="Picture 7">
+            <a:extLst>
+              <a:ext uri="{FF2B5EF4-FFF2-40B4-BE49-F238E27FC236}">
+                <a16:creationId xmlns:a16="http://schemas.microsoft.com/office/drawing/2014/main" id="{99B5EBBB-4C1E-4847-AC7D-6CDE7C363CE1}"/>
+              </a:ext>
+            </a:extLst>
+          </p:cNvPr>
+          <p:cNvPicPr>
+            <a:picLocks noChangeAspect="1"/>
+          </p:cNvPicPr>
+          <p:nvPr/>
+        </p:nvPicPr>
+        <p:blipFill>
+          <a:blip r:embed="rId3"/>
+          <a:stretch>
+            <a:fillRect/>
+          </a:stretch>
+        </p:blipFill>
+        <p:spPr>
+          <a:xfrm>
+            <a:off x="2195736" y="2901574"/>
+            <a:ext cx="5796136" cy="3555764"/>
+          </a:xfrm>
+          <a:prstGeom prst="rect">
+            <a:avLst/>
+          </a:prstGeom>
+          <a:ln>
+            <a:solidFill>
+              <a:srgbClr val="C00000"/>
+            </a:solidFill>
+          </a:ln>
+        </p:spPr>
+      </p:pic>
+    </p:spTree>
+    <p:extLst>
+      <p:ext uri="{BB962C8B-B14F-4D97-AF65-F5344CB8AC3E}">
+        <p14:creationId xmlns:p14="http://schemas.microsoft.com/office/powerpoint/2010/main" val="1669545191"/>
+      </p:ext>
+    </p:extLst>
+  </p:cSld>
+  <p:clrMapOvr>
+    <a:masterClrMapping/>
+  </p:clrMapOvr>
+</p:sld>
+</file>
+
+<file path=ppt/slides/slide12.xml><?xml version="1.0" encoding="utf-8"?>
+<p:sld xmlns:a="http://schemas.openxmlformats.org/drawingml/2006/main" xmlns:r="http://schemas.openxmlformats.org/officeDocument/2006/relationships" xmlns:p="http://schemas.openxmlformats.org/presentationml/2006/main">
+  <p:cSld>
+    <p:spTree>
+      <p:nvGrpSpPr>
+        <p:cNvPr id="1" name=""/>
+        <p:cNvGrpSpPr/>
+        <p:nvPr/>
+      </p:nvGrpSpPr>
+      <p:grpSpPr>
+        <a:xfrm>
+          <a:off x="0" y="0"/>
+          <a:ext cx="0" cy="0"/>
+          <a:chOff x="0" y="0"/>
+          <a:chExt cx="0" cy="0"/>
+        </a:xfrm>
+      </p:grpSpPr>
+      <p:sp>
+        <p:nvSpPr>
+          <p:cNvPr id="2" name="標題 1"/>
+          <p:cNvSpPr>
+            <a:spLocks noGrp="1"/>
+          </p:cNvSpPr>
+          <p:nvPr>
+            <p:ph type="ctrTitle"/>
+          </p:nvPr>
+        </p:nvSpPr>
+        <p:spPr>
+          <a:xfrm>
+            <a:off x="0" y="1"/>
+            <a:ext cx="9144000" cy="764704"/>
+          </a:xfrm>
+          <a:gradFill flip="none" rotWithShape="1">
+            <a:gsLst>
+              <a:gs pos="0">
+                <a:srgbClr val="C00000">
+                  <a:shade val="30000"/>
+                  <a:satMod val="115000"/>
+                </a:srgbClr>
+              </a:gs>
+              <a:gs pos="50000">
+                <a:srgbClr val="C00000">
+                  <a:shade val="67500"/>
+                  <a:satMod val="115000"/>
+                </a:srgbClr>
+              </a:gs>
+              <a:gs pos="100000">
+                <a:srgbClr val="C00000">
+                  <a:shade val="100000"/>
+                  <a:satMod val="115000"/>
+                </a:srgbClr>
+              </a:gs>
+            </a:gsLst>
+            <a:path path="circle">
+              <a:fillToRect t="100000" r="100000"/>
+            </a:path>
+            <a:tileRect l="-100000" b="-100000"/>
+          </a:gradFill>
+        </p:spPr>
+        <p:txBody>
+          <a:bodyPr>
+            <a:normAutofit/>
+          </a:bodyPr>
+          <a:lstStyle/>
+          <a:p>
+            <a:pPr algn="l"/>
+            <a:r>
+              <a:rPr lang="en-US" altLang="zh-TW" b="1" dirty="0">
+                <a:solidFill>
+                  <a:srgbClr val="FFFF00"/>
+                </a:solidFill>
+              </a:rPr>
+              <a:t>12.1 Dockerfile</a:t>
+            </a:r>
+            <a:endParaRPr lang="zh-TW" altLang="en-US" b="1" dirty="0">
+              <a:solidFill>
+                <a:srgbClr val="FFFF00"/>
+              </a:solidFill>
+            </a:endParaRPr>
+          </a:p>
+        </p:txBody>
+      </p:sp>
+      <p:sp>
+        <p:nvSpPr>
+          <p:cNvPr id="3" name="副標題 2"/>
+          <p:cNvSpPr>
+            <a:spLocks noGrp="1"/>
+          </p:cNvSpPr>
+          <p:nvPr>
+            <p:ph type="subTitle" idx="1"/>
+          </p:nvPr>
+        </p:nvSpPr>
+        <p:spPr>
+          <a:xfrm>
+            <a:off x="467543" y="1268761"/>
+            <a:ext cx="8219257" cy="651653"/>
+          </a:xfrm>
+          <a:ln>
+            <a:solidFill>
+              <a:srgbClr val="C00000"/>
+            </a:solidFill>
+          </a:ln>
+        </p:spPr>
+        <p:txBody>
+          <a:bodyPr>
+            <a:noAutofit/>
+          </a:bodyPr>
+          <a:lstStyle/>
+          <a:p>
+            <a:pPr marL="342900" indent="-342900" algn="l">
+              <a:buClr>
+                <a:srgbClr val="0070C0"/>
+              </a:buClr>
+              <a:buSzPct val="80000"/>
+              <a:buFont typeface="Wingdings" pitchFamily="2" charset="2"/>
+              <a:buChar char="u"/>
+            </a:pPr>
+            <a:r>
+              <a:rPr lang="en-US" sz="1800" b="1" dirty="0">
+                <a:solidFill>
+                  <a:schemeClr val="tx1"/>
+                </a:solidFill>
+              </a:rPr>
+              <a:t>Dockerfile</a:t>
+            </a:r>
+          </a:p>
+          <a:p>
+            <a:pPr marL="342900" indent="-342900" algn="l">
+              <a:buClr>
+                <a:srgbClr val="0070C0"/>
+              </a:buClr>
+              <a:buSzPct val="80000"/>
+              <a:buFont typeface="Wingdings" pitchFamily="2" charset="2"/>
+              <a:buChar char="u"/>
+            </a:pPr>
+            <a:r>
+              <a:rPr lang="en-US" sz="1800" b="1" dirty="0">
+                <a:solidFill>
+                  <a:schemeClr val="tx1"/>
+                </a:solidFill>
+              </a:rPr>
+              <a:t>&gt; docker images</a:t>
+            </a:r>
+          </a:p>
+        </p:txBody>
+      </p:sp>
+      <p:sp>
+        <p:nvSpPr>
+          <p:cNvPr id="4" name="標題 1"/>
+          <p:cNvSpPr txBox="1">
+            <a:spLocks/>
+          </p:cNvSpPr>
+          <p:nvPr/>
+        </p:nvSpPr>
+        <p:spPr>
+          <a:xfrm>
+            <a:off x="0" y="764704"/>
+            <a:ext cx="9144000" cy="360040"/>
+          </a:xfrm>
+          <a:prstGeom prst="rect">
+            <a:avLst/>
+          </a:prstGeom>
+          <a:gradFill flip="none" rotWithShape="1">
+            <a:gsLst>
+              <a:gs pos="0">
+                <a:srgbClr val="00B0F0">
+                  <a:shade val="30000"/>
+                  <a:satMod val="115000"/>
+                </a:srgbClr>
+              </a:gs>
+              <a:gs pos="50000">
+                <a:srgbClr val="00B0F0">
+                  <a:shade val="67500"/>
+                  <a:satMod val="115000"/>
+                </a:srgbClr>
+              </a:gs>
+              <a:gs pos="100000">
+                <a:srgbClr val="00B0F0">
+                  <a:shade val="100000"/>
+                  <a:satMod val="115000"/>
+                </a:srgbClr>
+              </a:gs>
+            </a:gsLst>
+            <a:path path="circle">
+              <a:fillToRect t="100000" r="100000"/>
+            </a:path>
+            <a:tileRect l="-100000" b="-100000"/>
+          </a:gradFill>
+        </p:spPr>
+        <p:txBody>
+          <a:bodyPr vert="horz" lIns="91440" tIns="45720" rIns="91440" bIns="45720" rtlCol="0" anchor="ctr">
+            <a:normAutofit/>
+          </a:bodyPr>
+          <a:lstStyle/>
+          <a:p>
+            <a:pPr lvl="0">
+              <a:spcBef>
+                <a:spcPct val="0"/>
+              </a:spcBef>
+            </a:pPr>
+            <a:r>
+              <a:rPr lang="en-US" sz="1600" dirty="0">
+                <a:hlinkClick r:id="rId2"/>
+              </a:rPr>
+              <a:t>https://www.youtube.com/watch?v=LQjaJINkQXY&amp;list=PLhW3qG5bs-L99pQsZ74f-LC-tOEsBp2rK&amp;index=12</a:t>
+            </a:r>
+            <a:endParaRPr lang="zh-TW" altLang="en-US" sz="1600" dirty="0"/>
+          </a:p>
+        </p:txBody>
+      </p:sp>
+      <p:sp>
+        <p:nvSpPr>
+          <p:cNvPr id="5" name="日期版面配置區 4"/>
+          <p:cNvSpPr>
+            <a:spLocks noGrp="1"/>
+          </p:cNvSpPr>
+          <p:nvPr>
+            <p:ph type="dt" sz="half" idx="10"/>
+          </p:nvPr>
+        </p:nvSpPr>
+        <p:spPr/>
+        <p:txBody>
+          <a:bodyPr/>
+          <a:lstStyle/>
+          <a:p>
+            <a:fld id="{A4F910E6-8D00-4BAF-8C48-9688E0B449D3}" type="datetime1">
+              <a:rPr lang="zh-TW" altLang="en-US" smtClean="0"/>
+              <a:pPr/>
+              <a:t>2021/12/11</a:t>
+            </a:fld>
+            <a:endParaRPr lang="zh-TW" altLang="en-US"/>
+          </a:p>
+        </p:txBody>
+      </p:sp>
+      <p:sp>
+        <p:nvSpPr>
+          <p:cNvPr id="6" name="投影片編號版面配置區 5"/>
+          <p:cNvSpPr>
+            <a:spLocks noGrp="1"/>
+          </p:cNvSpPr>
+          <p:nvPr>
+            <p:ph type="sldNum" sz="quarter" idx="12"/>
+          </p:nvPr>
+        </p:nvSpPr>
+        <p:spPr/>
+        <p:txBody>
+          <a:bodyPr/>
+          <a:lstStyle/>
+          <a:p>
+            <a:fld id="{E4D7E63D-91F2-4366-A2C4-1B00C9E2590E}" type="slidenum">
+              <a:rPr lang="zh-TW" altLang="en-US" smtClean="0"/>
+              <a:pPr/>
+              <a:t>12</a:t>
+            </a:fld>
+            <a:endParaRPr lang="zh-TW" altLang="en-US"/>
+          </a:p>
+        </p:txBody>
+      </p:sp>
+      <p:pic>
+        <p:nvPicPr>
+          <p:cNvPr id="7" name="Picture 6">
+            <a:extLst>
+              <a:ext uri="{FF2B5EF4-FFF2-40B4-BE49-F238E27FC236}">
+                <a16:creationId xmlns:a16="http://schemas.microsoft.com/office/drawing/2014/main" id="{D9683A62-CC06-4C5B-9292-F8210B4D5AA9}"/>
+              </a:ext>
+            </a:extLst>
+          </p:cNvPr>
+          <p:cNvPicPr>
+            <a:picLocks noChangeAspect="1"/>
+          </p:cNvPicPr>
+          <p:nvPr/>
+        </p:nvPicPr>
+        <p:blipFill>
+          <a:blip r:embed="rId3"/>
+          <a:stretch>
+            <a:fillRect/>
+          </a:stretch>
+        </p:blipFill>
+        <p:spPr>
+          <a:xfrm>
+            <a:off x="971600" y="2273060"/>
+            <a:ext cx="6772275" cy="1419225"/>
+          </a:xfrm>
+          <a:prstGeom prst="rect">
+            <a:avLst/>
+          </a:prstGeom>
+          <a:ln>
+            <a:solidFill>
+              <a:srgbClr val="C00000"/>
+            </a:solidFill>
+          </a:ln>
+        </p:spPr>
+      </p:pic>
+      <p:sp>
+        <p:nvSpPr>
+          <p:cNvPr id="9" name="Rectangle 8">
+            <a:extLst>
+              <a:ext uri="{FF2B5EF4-FFF2-40B4-BE49-F238E27FC236}">
+                <a16:creationId xmlns:a16="http://schemas.microsoft.com/office/drawing/2014/main" id="{C2B8090A-2E79-45E6-B6B7-1EEA6E54B67C}"/>
+              </a:ext>
+            </a:extLst>
+          </p:cNvPr>
+          <p:cNvSpPr/>
+          <p:nvPr/>
+        </p:nvSpPr>
+        <p:spPr>
+          <a:xfrm>
+            <a:off x="899592" y="2559821"/>
+            <a:ext cx="2232248" cy="365124"/>
+          </a:xfrm>
+          <a:prstGeom prst="rect">
+            <a:avLst/>
+          </a:prstGeom>
+          <a:noFill/>
+          <a:ln>
+            <a:solidFill>
+              <a:srgbClr val="C00000"/>
+            </a:solidFill>
+          </a:ln>
+        </p:spPr>
+        <p:style>
+          <a:lnRef idx="2">
+            <a:schemeClr val="accent1">
+              <a:shade val="50000"/>
+            </a:schemeClr>
+          </a:lnRef>
+          <a:fillRef idx="1">
+            <a:schemeClr val="accent1"/>
+          </a:fillRef>
+          <a:effectRef idx="0">
+            <a:schemeClr val="accent1"/>
+          </a:effectRef>
+          <a:fontRef idx="minor">
+            <a:schemeClr val="lt1"/>
+          </a:fontRef>
+        </p:style>
+        <p:txBody>
+          <a:bodyPr rtlCol="0" anchor="ctr"/>
+          <a:lstStyle/>
+          <a:p>
+            <a:pPr algn="ctr"/>
+            <a:endParaRPr lang="en-US"/>
+          </a:p>
+        </p:txBody>
+      </p:sp>
+    </p:spTree>
+    <p:extLst>
+      <p:ext uri="{BB962C8B-B14F-4D97-AF65-F5344CB8AC3E}">
+        <p14:creationId xmlns:p14="http://schemas.microsoft.com/office/powerpoint/2010/main" val="493147294"/>
+      </p:ext>
+    </p:extLst>
+  </p:cSld>
+  <p:clrMapOvr>
+    <a:masterClrMapping/>
+  </p:clrMapOvr>
+</p:sld>
+</file>
+
+<file path=ppt/slides/slide13.xml><?xml version="1.0" encoding="utf-8"?>
+<p:sld xmlns:a="http://schemas.openxmlformats.org/drawingml/2006/main" xmlns:r="http://schemas.openxmlformats.org/officeDocument/2006/relationships" xmlns:p="http://schemas.openxmlformats.org/presentationml/2006/main">
+  <p:cSld>
+    <p:spTree>
+      <p:nvGrpSpPr>
+        <p:cNvPr id="1" name=""/>
+        <p:cNvGrpSpPr/>
+        <p:nvPr/>
+      </p:nvGrpSpPr>
+      <p:grpSpPr>
+        <a:xfrm>
+          <a:off x="0" y="0"/>
+          <a:ext cx="0" cy="0"/>
+          <a:chOff x="0" y="0"/>
+          <a:chExt cx="0" cy="0"/>
+        </a:xfrm>
+      </p:grpSpPr>
+      <p:sp>
+        <p:nvSpPr>
+          <p:cNvPr id="2" name="標題 1"/>
+          <p:cNvSpPr>
+            <a:spLocks noGrp="1"/>
+          </p:cNvSpPr>
+          <p:nvPr>
+            <p:ph type="ctrTitle"/>
+          </p:nvPr>
+        </p:nvSpPr>
+        <p:spPr>
+          <a:xfrm>
+            <a:off x="0" y="2132856"/>
+            <a:ext cx="9144000" cy="1470025"/>
+          </a:xfrm>
+          <a:solidFill>
+            <a:srgbClr val="00B0F0"/>
+          </a:solidFill>
+        </p:spPr>
+        <p:txBody>
+          <a:bodyPr>
+            <a:normAutofit/>
+          </a:bodyPr>
+          <a:lstStyle/>
+          <a:p>
+            <a:r>
+              <a:rPr lang="en-US" altLang="zh-TW" sz="4800" b="1" dirty="0">
+                <a:solidFill>
+                  <a:srgbClr val="FFFF00"/>
+                </a:solidFill>
+              </a:rPr>
+              <a:t>12.3 Docker Run</a:t>
+            </a:r>
+            <a:endParaRPr lang="zh-TW" altLang="en-US" sz="4800" b="1" dirty="0">
+              <a:solidFill>
+                <a:srgbClr val="FFFF00"/>
+              </a:solidFill>
+            </a:endParaRPr>
+          </a:p>
+        </p:txBody>
+      </p:sp>
+      <p:sp>
+        <p:nvSpPr>
+          <p:cNvPr id="5" name="日期版面配置區 4"/>
+          <p:cNvSpPr>
+            <a:spLocks noGrp="1"/>
+          </p:cNvSpPr>
+          <p:nvPr>
+            <p:ph type="dt" sz="half" idx="10"/>
+          </p:nvPr>
+        </p:nvSpPr>
+        <p:spPr/>
+        <p:txBody>
+          <a:bodyPr/>
+          <a:lstStyle/>
+          <a:p>
+            <a:fld id="{C389EDC9-19E3-47AC-9C57-C6A24DEA81AD}" type="datetime1">
+              <a:rPr lang="zh-TW" altLang="en-US" smtClean="0"/>
+              <a:pPr/>
+              <a:t>2021/12/11</a:t>
+            </a:fld>
+            <a:endParaRPr lang="zh-TW" altLang="en-US"/>
+          </a:p>
+        </p:txBody>
+      </p:sp>
+      <p:sp>
+        <p:nvSpPr>
+          <p:cNvPr id="6" name="投影片編號版面配置區 5"/>
+          <p:cNvSpPr>
+            <a:spLocks noGrp="1"/>
+          </p:cNvSpPr>
+          <p:nvPr>
+            <p:ph type="sldNum" sz="quarter" idx="12"/>
+          </p:nvPr>
+        </p:nvSpPr>
+        <p:spPr/>
+        <p:txBody>
+          <a:bodyPr/>
+          <a:lstStyle/>
+          <a:p>
+            <a:fld id="{E4D7E63D-91F2-4366-A2C4-1B00C9E2590E}" type="slidenum">
+              <a:rPr lang="zh-TW" altLang="en-US" smtClean="0"/>
+              <a:pPr/>
+              <a:t>13</a:t>
             </a:fld>
             <a:endParaRPr lang="zh-TW" altLang="en-US"/>
           </a:p>
@@ -3747,7 +4599,7 @@
 </p:sld>
 </file>
 
-<file path=ppt/slides/slide11.xml><?xml version="1.0" encoding="utf-8"?>
+<file path=ppt/slides/slide14.xml><?xml version="1.0" encoding="utf-8"?>
 <p:sld xmlns:a="http://schemas.openxmlformats.org/drawingml/2006/main" xmlns:r="http://schemas.openxmlformats.org/officeDocument/2006/relationships" xmlns:p="http://schemas.openxmlformats.org/presentationml/2006/main">
   <p:cSld>
     <p:spTree>
@@ -3922,7 +4774,7 @@
                   <a:schemeClr val="tx1"/>
                 </a:solidFill>
               </a:rPr>
-              <a:t>&gt;</a:t>
+              <a:t>/or firstimage:1.0&gt;</a:t>
             </a:r>
           </a:p>
         </p:txBody>
@@ -4009,7 +4861,7 @@
             <a:fld id="{A4F910E6-8D00-4BAF-8C48-9688E0B449D3}" type="datetime1">
               <a:rPr lang="zh-TW" altLang="en-US" smtClean="0"/>
               <a:pPr/>
-              <a:t>2020/4/28</a:t>
+              <a:t>2021/12/11</a:t>
             </a:fld>
             <a:endParaRPr lang="zh-TW" altLang="en-US"/>
           </a:p>
@@ -4033,7 +4885,7 @@
             <a:fld id="{E4D7E63D-91F2-4366-A2C4-1B00C9E2590E}" type="slidenum">
               <a:rPr lang="zh-TW" altLang="en-US" smtClean="0"/>
               <a:pPr/>
-              <a:t>11</a:t>
+              <a:t>14</a:t>
             </a:fld>
             <a:endParaRPr lang="zh-TW" altLang="en-US"/>
           </a:p>
@@ -4087,7 +4939,7 @@
 </p:sld>
 </file>
 
-<file path=ppt/slides/slide12.xml><?xml version="1.0" encoding="utf-8"?>
+<file path=ppt/slides/slide15.xml><?xml version="1.0" encoding="utf-8"?>
 <p:sld xmlns:a="http://schemas.openxmlformats.org/drawingml/2006/main" xmlns:r="http://schemas.openxmlformats.org/officeDocument/2006/relationships" xmlns:p="http://schemas.openxmlformats.org/presentationml/2006/main">
   <p:cSld>
     <p:spTree>
@@ -4186,7 +5038,7 @@
             <a:fld id="{4E46BE27-E923-4EC2-B046-3272AE2A3E5C}" type="datetime1">
               <a:rPr lang="zh-TW" altLang="en-US" smtClean="0"/>
               <a:pPr/>
-              <a:t>2020/4/28</a:t>
+              <a:t>2021/12/11</a:t>
             </a:fld>
             <a:endParaRPr lang="zh-TW" altLang="en-US"/>
           </a:p>
@@ -4210,7 +5062,7 @@
             <a:fld id="{E4D7E63D-91F2-4366-A2C4-1B00C9E2590E}" type="slidenum">
               <a:rPr lang="zh-TW" altLang="en-US" smtClean="0"/>
               <a:pPr/>
-              <a:t>12</a:t>
+              <a:t>15</a:t>
             </a:fld>
             <a:endParaRPr lang="zh-TW" altLang="en-US"/>
           </a:p>
@@ -4296,15 +5148,7 @@
                   <a:srgbClr val="FFFF00"/>
                 </a:solidFill>
               </a:rPr>
-              <a:t>12 </a:t>
-            </a:r>
-            <a:r>
-              <a:rPr lang="en-US" altLang="zh-TW" b="1" dirty="0" err="1">
-                <a:solidFill>
-                  <a:srgbClr val="FFFF00"/>
-                </a:solidFill>
-              </a:rPr>
-              <a:t>Dockerfile</a:t>
+              <a:t>12 Dockerfile</a:t>
             </a:r>
             <a:endParaRPr lang="zh-TW" altLang="en-US" b="1" dirty="0">
               <a:solidFill>
@@ -4327,7 +5171,7 @@
         <p:spPr>
           <a:xfrm>
             <a:off x="467544" y="1268762"/>
-            <a:ext cx="8064896" cy="1368150"/>
+            <a:ext cx="8064896" cy="3024334"/>
           </a:xfrm>
           <a:ln>
             <a:solidFill>
@@ -4355,7 +5199,7 @@
                   <a:srgbClr val="C00000"/>
                 </a:solidFill>
               </a:rPr>
-              <a:t>What is Dockerfile?</a:t>
+              <a:t>Dockerfile</a:t>
             </a:r>
           </a:p>
           <a:p>
@@ -4370,10 +5214,10 @@
             <a:r>
               <a:rPr lang="en-US" sz="1800" b="1" dirty="0">
                 <a:solidFill>
-                  <a:srgbClr val="C00000"/>
-                </a:solidFill>
-              </a:rPr>
-              <a:t>How to Create Docker file?</a:t>
+                  <a:schemeClr val="tx1"/>
+                </a:solidFill>
+              </a:rPr>
+              <a:t>We discuss the following topics:</a:t>
             </a:r>
           </a:p>
           <a:p>
@@ -4388,10 +5232,10 @@
             <a:r>
               <a:rPr lang="en-US" sz="1800" b="1" dirty="0">
                 <a:solidFill>
-                  <a:srgbClr val="C00000"/>
-                </a:solidFill>
-              </a:rPr>
-              <a:t>How to build image from Dockerfile?</a:t>
+                  <a:schemeClr val="tx1"/>
+                </a:solidFill>
+              </a:rPr>
+              <a:t>1. What is Dockerfile?</a:t>
             </a:r>
           </a:p>
           <a:p>
@@ -4406,10 +5250,10 @@
             <a:r>
               <a:rPr lang="en-US" sz="1800" b="1" dirty="0">
                 <a:solidFill>
-                  <a:srgbClr val="C00000"/>
-                </a:solidFill>
-              </a:rPr>
-              <a:t>Basic Commands</a:t>
+                  <a:schemeClr val="tx1"/>
+                </a:solidFill>
+              </a:rPr>
+              <a:t>2. How to Create Docker file?</a:t>
             </a:r>
           </a:p>
           <a:p>
@@ -4421,11 +5265,14 @@
               <a:buFont typeface="Wingdings" pitchFamily="2" charset="2"/>
               <a:buChar char="u"/>
             </a:pPr>
-            <a:endParaRPr lang="en-US" sz="1800" b="1" dirty="0">
-              <a:solidFill>
-                <a:srgbClr val="C00000"/>
-              </a:solidFill>
-            </a:endParaRPr>
+            <a:r>
+              <a:rPr lang="en-US" sz="1800" b="1" dirty="0">
+                <a:solidFill>
+                  <a:schemeClr val="tx1"/>
+                </a:solidFill>
+              </a:rPr>
+              <a:t>3. How to build image from Dockerfile?</a:t>
+            </a:r>
           </a:p>
           <a:p>
             <a:pPr marL="342900" indent="-342900" algn="l">
@@ -4436,11 +5283,14 @@
               <a:buFont typeface="Wingdings" pitchFamily="2" charset="2"/>
               <a:buChar char="u"/>
             </a:pPr>
-            <a:endParaRPr lang="en-US" sz="1800" b="1" dirty="0">
-              <a:solidFill>
-                <a:srgbClr val="C00000"/>
-              </a:solidFill>
-            </a:endParaRPr>
+            <a:r>
+              <a:rPr lang="en-US" sz="1800" b="1" dirty="0">
+                <a:solidFill>
+                  <a:schemeClr val="tx1"/>
+                </a:solidFill>
+              </a:rPr>
+              <a:t>We will build the image based on Dockerfile</a:t>
+            </a:r>
           </a:p>
           <a:p>
             <a:pPr marL="342900" indent="-342900" algn="l">
@@ -4451,11 +5301,50 @@
               <a:buFont typeface="Wingdings" pitchFamily="2" charset="2"/>
               <a:buChar char="u"/>
             </a:pPr>
-            <a:endParaRPr lang="en-US" sz="1800" b="1" dirty="0">
-              <a:solidFill>
-                <a:schemeClr val="tx1"/>
-              </a:solidFill>
-            </a:endParaRPr>
+            <a:r>
+              <a:rPr lang="en-US" sz="1800" b="1" dirty="0">
+                <a:solidFill>
+                  <a:schemeClr val="tx1"/>
+                </a:solidFill>
+              </a:rPr>
+              <a:t>4. Basic Commands</a:t>
+            </a:r>
+          </a:p>
+          <a:p>
+            <a:pPr marL="342900" indent="-342900" algn="l">
+              <a:buClr>
+                <a:srgbClr val="0070C0"/>
+              </a:buClr>
+              <a:buSzPct val="80000"/>
+              <a:buFont typeface="Wingdings" pitchFamily="2" charset="2"/>
+              <a:buChar char="u"/>
+            </a:pPr>
+            <a:r>
+              <a:rPr lang="en-US" sz="1800" b="1" dirty="0">
+                <a:solidFill>
+                  <a:schemeClr val="tx1"/>
+                </a:solidFill>
+              </a:rPr>
+              <a:t>We will look at the basic command</a:t>
+            </a:r>
+          </a:p>
+          <a:p>
+            <a:pPr marL="342900" indent="-342900" algn="l">
+              <a:buClr>
+                <a:srgbClr val="0070C0"/>
+              </a:buClr>
+              <a:buSzPct val="80000"/>
+              <a:buFont typeface="Wingdings" pitchFamily="2" charset="2"/>
+              <a:buChar char="u"/>
+            </a:pPr>
+            <a:r>
+              <a:rPr lang="en-US" sz="1800" b="1" dirty="0">
+                <a:solidFill>
+                  <a:schemeClr val="tx1"/>
+                </a:solidFill>
+              </a:rPr>
+              <a:t>5. Some Tips and Tricks with Dockerfile</a:t>
+            </a:r>
           </a:p>
         </p:txBody>
       </p:sp>
@@ -4554,7 +5443,7 @@
             <a:fld id="{A4F910E6-8D00-4BAF-8C48-9688E0B449D3}" type="datetime1">
               <a:rPr lang="zh-TW" altLang="en-US" smtClean="0"/>
               <a:pPr/>
-              <a:t>2020/4/28</a:t>
+              <a:t>2021/12/11</a:t>
             </a:fld>
             <a:endParaRPr lang="zh-TW" altLang="en-US"/>
           </a:p>
@@ -4673,7 +5562,7 @@
             <a:fld id="{C389EDC9-19E3-47AC-9C57-C6A24DEA81AD}" type="datetime1">
               <a:rPr lang="zh-TW" altLang="en-US" smtClean="0"/>
               <a:pPr/>
-              <a:t>2020/4/28</a:t>
+              <a:t>2021/12/11</a:t>
             </a:fld>
             <a:endParaRPr lang="zh-TW" altLang="en-US"/>
           </a:p>
@@ -4841,7 +5730,7 @@
         <p:spPr>
           <a:xfrm>
             <a:off x="467543" y="1268761"/>
-            <a:ext cx="8219257" cy="2448271"/>
+            <a:ext cx="8219257" cy="2664295"/>
           </a:xfrm>
           <a:ln>
             <a:solidFill>
@@ -4866,7 +5755,7 @@
             <a:r>
               <a:rPr lang="en-US" sz="1800" b="1" dirty="0">
                 <a:solidFill>
-                  <a:schemeClr val="tx1"/>
+                  <a:srgbClr val="C00000"/>
                 </a:solidFill>
               </a:rPr>
               <a:t>Dockerfile</a:t>
@@ -4881,14 +5770,11 @@
               <a:buFont typeface="Wingdings" pitchFamily="2" charset="2"/>
               <a:buChar char="u"/>
             </a:pPr>
-            <a:r>
-              <a:rPr lang="en-US" sz="1800" b="1" dirty="0">
-                <a:solidFill>
-                  <a:schemeClr val="tx1"/>
-                </a:solidFill>
-              </a:rPr>
-              <a:t>A text file with instructions to build image</a:t>
-            </a:r>
+            <a:endParaRPr lang="en-US" sz="1800" b="1" dirty="0">
+              <a:solidFill>
+                <a:srgbClr val="C00000"/>
+              </a:solidFill>
+            </a:endParaRPr>
           </a:p>
           <a:p>
             <a:pPr marL="342900" indent="-342900" algn="l">
@@ -4902,10 +5788,10 @@
             <a:r>
               <a:rPr lang="en-US" sz="1800" b="1" dirty="0">
                 <a:solidFill>
-                  <a:schemeClr val="tx1"/>
-                </a:solidFill>
-              </a:rPr>
-              <a:t>Automation of Docker Image Creation</a:t>
+                  <a:srgbClr val="C00000"/>
+                </a:solidFill>
+              </a:rPr>
+              <a:t>Dockerfile is a simple text file with instructions to build image</a:t>
             </a:r>
           </a:p>
           <a:p>
@@ -4920,10 +5806,10 @@
             <a:r>
               <a:rPr lang="en-US" sz="1800" b="1" dirty="0">
                 <a:solidFill>
-                  <a:schemeClr val="tx1"/>
-                </a:solidFill>
-              </a:rPr>
-              <a:t>There are some basic instructions that you use in the Dockerfile.</a:t>
+                  <a:srgbClr val="C00000"/>
+                </a:solidFill>
+              </a:rPr>
+              <a:t>Automation of Docker Image Creation</a:t>
             </a:r>
           </a:p>
           <a:p>
@@ -4935,14 +5821,11 @@
               <a:buFont typeface="Wingdings" pitchFamily="2" charset="2"/>
               <a:buChar char="u"/>
             </a:pPr>
-            <a:r>
-              <a:rPr lang="en-US" sz="1800" b="1" dirty="0">
-                <a:solidFill>
-                  <a:schemeClr val="tx1"/>
-                </a:solidFill>
-              </a:rPr>
-              <a:t>FROM</a:t>
-            </a:r>
+            <a:endParaRPr lang="en-US" sz="1800" b="1" dirty="0">
+              <a:solidFill>
+                <a:srgbClr val="C00000"/>
+              </a:solidFill>
+            </a:endParaRPr>
           </a:p>
           <a:p>
             <a:pPr marL="342900" indent="-342900" algn="l">
@@ -4956,10 +5839,10 @@
             <a:r>
               <a:rPr lang="en-US" sz="1800" b="1" dirty="0">
                 <a:solidFill>
-                  <a:schemeClr val="tx1"/>
-                </a:solidFill>
-              </a:rPr>
-              <a:t>RUN</a:t>
+                  <a:srgbClr val="C00000"/>
+                </a:solidFill>
+              </a:rPr>
+              <a:t>FROM</a:t>
             </a:r>
           </a:p>
           <a:p>
@@ -4974,11 +5857,42 @@
             <a:r>
               <a:rPr lang="en-US" sz="1800" b="1" dirty="0">
                 <a:solidFill>
-                  <a:schemeClr val="tx1"/>
+                  <a:srgbClr val="C00000"/>
+                </a:solidFill>
+              </a:rPr>
+              <a:t>RUN</a:t>
+            </a:r>
+          </a:p>
+          <a:p>
+            <a:pPr marL="342900" indent="-342900" algn="l">
+              <a:buClr>
+                <a:srgbClr val="0070C0"/>
+              </a:buClr>
+              <a:buSzPct val="80000"/>
+              <a:buFont typeface="Wingdings" pitchFamily="2" charset="2"/>
+              <a:buChar char="u"/>
+            </a:pPr>
+            <a:r>
+              <a:rPr lang="en-US" sz="1800" b="1" dirty="0">
+                <a:solidFill>
+                  <a:srgbClr val="C00000"/>
                 </a:solidFill>
               </a:rPr>
               <a:t>CMD</a:t>
             </a:r>
+          </a:p>
+          <a:p>
+            <a:pPr algn="l">
+              <a:buClr>
+                <a:srgbClr val="0070C0"/>
+              </a:buClr>
+              <a:buSzPct val="80000"/>
+            </a:pPr>
+            <a:endParaRPr lang="en-US" sz="1800" b="1" dirty="0">
+              <a:solidFill>
+                <a:schemeClr val="tx1"/>
+              </a:solidFill>
+            </a:endParaRPr>
           </a:p>
         </p:txBody>
       </p:sp>
@@ -5064,7 +5978,7 @@
             <a:fld id="{A4F910E6-8D00-4BAF-8C48-9688E0B449D3}" type="datetime1">
               <a:rPr lang="zh-TW" altLang="en-US" smtClean="0"/>
               <a:pPr/>
-              <a:t>2020/4/28</a:t>
+              <a:t>2021/12/11</a:t>
             </a:fld>
             <a:endParaRPr lang="zh-TW" altLang="en-US"/>
           </a:p>
@@ -5094,41 +6008,6 @@
           </a:p>
         </p:txBody>
       </p:sp>
-      <p:pic>
-        <p:nvPicPr>
-          <p:cNvPr id="8" name="Picture 7">
-            <a:extLst>
-              <a:ext uri="{FF2B5EF4-FFF2-40B4-BE49-F238E27FC236}">
-                <a16:creationId xmlns:a16="http://schemas.microsoft.com/office/drawing/2014/main" id="{6B371E5F-9D79-4682-85F7-B90CC2E522B4}"/>
-              </a:ext>
-            </a:extLst>
-          </p:cNvPr>
-          <p:cNvPicPr>
-            <a:picLocks noChangeAspect="1"/>
-          </p:cNvPicPr>
-          <p:nvPr/>
-        </p:nvPicPr>
-        <p:blipFill>
-          <a:blip r:embed="rId3"/>
-          <a:stretch>
-            <a:fillRect/>
-          </a:stretch>
-        </p:blipFill>
-        <p:spPr>
-          <a:xfrm>
-            <a:off x="2566376" y="4005064"/>
-            <a:ext cx="3448050" cy="1276350"/>
-          </a:xfrm>
-          <a:prstGeom prst="rect">
-            <a:avLst/>
-          </a:prstGeom>
-          <a:ln>
-            <a:solidFill>
-              <a:srgbClr val="C00000"/>
-            </a:solidFill>
-          </a:ln>
-        </p:spPr>
-      </p:pic>
     </p:spTree>
     <p:extLst>
       <p:ext uri="{BB962C8B-B14F-4D97-AF65-F5344CB8AC3E}">
@@ -5237,7 +6116,7 @@
         <p:spPr>
           <a:xfrm>
             <a:off x="467543" y="1268761"/>
-            <a:ext cx="8219257" cy="1872207"/>
+            <a:ext cx="8219257" cy="1656183"/>
           </a:xfrm>
           <a:ln>
             <a:solidFill>
@@ -5262,7 +6141,7 @@
             <a:r>
               <a:rPr lang="en-US" sz="1800" b="1" dirty="0">
                 <a:solidFill>
-                  <a:schemeClr val="tx1"/>
+                  <a:srgbClr val="C00000"/>
                 </a:solidFill>
               </a:rPr>
               <a:t>Dockerfile</a:t>
@@ -5280,10 +6159,10 @@
             <a:r>
               <a:rPr lang="en-US" sz="1800" b="1" dirty="0">
                 <a:solidFill>
-                  <a:schemeClr val="tx1"/>
-                </a:solidFill>
-              </a:rPr>
-              <a:t>Step 1: Create a file name Dockerfile. When you run the Docker build commands. Docker searches for a file name Dockerfile, however, you can also specify some different name. But for now, we use Dockerfile only.</a:t>
+                  <a:srgbClr val="C00000"/>
+                </a:solidFill>
+              </a:rPr>
+              <a:t>Dockerfile is a simple text file with instructions to build image</a:t>
             </a:r>
           </a:p>
           <a:p>
@@ -5301,37 +6180,8 @@
                   <a:schemeClr val="tx1"/>
                 </a:solidFill>
               </a:rPr>
-              <a:t>&gt; </a:t>
-            </a:r>
-            <a:r>
-              <a:rPr lang="en-US" sz="1800" b="1" dirty="0" err="1">
-                <a:solidFill>
-                  <a:schemeClr val="tx1"/>
-                </a:solidFill>
-              </a:rPr>
-              <a:t>mkdir</a:t>
-            </a:r>
-            <a:r>
-              <a:rPr lang="en-US" sz="1800" b="1" dirty="0">
-                <a:solidFill>
-                  <a:schemeClr val="tx1"/>
-                </a:solidFill>
-              </a:rPr>
-              <a:t> </a:t>
-            </a:r>
-            <a:r>
-              <a:rPr lang="en-US" sz="1800" b="1" dirty="0" err="1">
-                <a:solidFill>
-                  <a:schemeClr val="tx1"/>
-                </a:solidFill>
-              </a:rPr>
-              <a:t>DockerFiles</a:t>
-            </a:r>
-            <a:endParaRPr lang="en-US" sz="1800" b="1" dirty="0">
-              <a:solidFill>
-                <a:schemeClr val="tx1"/>
-              </a:solidFill>
-            </a:endParaRPr>
+              <a:t>You can see, the Dockerfile is a simple text file where we give some instructions to build an image </a:t>
+            </a:r>
           </a:p>
           <a:p>
             <a:pPr marL="342900" indent="-342900" algn="l">
@@ -5348,21 +6198,8 @@
                   <a:schemeClr val="tx1"/>
                 </a:solidFill>
               </a:rPr>
-              <a:t>&gt; cd </a:t>
-            </a:r>
-            <a:r>
-              <a:rPr lang="en-US" sz="1800" b="1" dirty="0" err="1">
-                <a:solidFill>
-                  <a:schemeClr val="tx1"/>
-                </a:solidFill>
-              </a:rPr>
-              <a:t>DockerFiles</a:t>
-            </a:r>
-            <a:endParaRPr lang="en-US" sz="1800" b="1" dirty="0">
-              <a:solidFill>
-                <a:schemeClr val="tx1"/>
-              </a:solidFill>
-            </a:endParaRPr>
+              <a:t>…and when we do docker build for this Dockerfile, the images gets created.</a:t>
+            </a:r>
           </a:p>
         </p:txBody>
       </p:sp>
@@ -5448,7 +6285,7 @@
             <a:fld id="{A4F910E6-8D00-4BAF-8C48-9688E0B449D3}" type="datetime1">
               <a:rPr lang="zh-TW" altLang="en-US" smtClean="0"/>
               <a:pPr/>
-              <a:t>2020/4/28</a:t>
+              <a:t>2021/12/11</a:t>
             </a:fld>
             <a:endParaRPr lang="zh-TW" altLang="en-US"/>
           </a:p>
@@ -5478,10 +6315,45 @@
           </a:p>
         </p:txBody>
       </p:sp>
+      <p:pic>
+        <p:nvPicPr>
+          <p:cNvPr id="8" name="Picture 7">
+            <a:extLst>
+              <a:ext uri="{FF2B5EF4-FFF2-40B4-BE49-F238E27FC236}">
+                <a16:creationId xmlns:a16="http://schemas.microsoft.com/office/drawing/2014/main" id="{6B371E5F-9D79-4682-85F7-B90CC2E522B4}"/>
+              </a:ext>
+            </a:extLst>
+          </p:cNvPr>
+          <p:cNvPicPr>
+            <a:picLocks noChangeAspect="1"/>
+          </p:cNvPicPr>
+          <p:nvPr/>
+        </p:nvPicPr>
+        <p:blipFill>
+          <a:blip r:embed="rId3"/>
+          <a:stretch>
+            <a:fillRect/>
+          </a:stretch>
+        </p:blipFill>
+        <p:spPr>
+          <a:xfrm>
+            <a:off x="1791308" y="3216488"/>
+            <a:ext cx="5256584" cy="1945807"/>
+          </a:xfrm>
+          <a:prstGeom prst="rect">
+            <a:avLst/>
+          </a:prstGeom>
+          <a:ln>
+            <a:solidFill>
+              <a:srgbClr val="C00000"/>
+            </a:solidFill>
+          </a:ln>
+        </p:spPr>
+      </p:pic>
     </p:spTree>
     <p:extLst>
       <p:ext uri="{BB962C8B-B14F-4D97-AF65-F5344CB8AC3E}">
-        <p14:creationId xmlns:p14="http://schemas.microsoft.com/office/powerpoint/2010/main" val="1182683356"/>
+        <p14:creationId xmlns:p14="http://schemas.microsoft.com/office/powerpoint/2010/main" val="4067495512"/>
       </p:ext>
     </p:extLst>
   </p:cSld>
@@ -5586,7 +6458,7 @@
         <p:spPr>
           <a:xfrm>
             <a:off x="467543" y="1268761"/>
-            <a:ext cx="8219257" cy="3007819"/>
+            <a:ext cx="8219257" cy="1320207"/>
           </a:xfrm>
           <a:ln>
             <a:solidFill>
@@ -5611,7 +6483,7 @@
             <a:r>
               <a:rPr lang="en-US" sz="1800" b="1" dirty="0">
                 <a:solidFill>
-                  <a:schemeClr val="tx1"/>
+                  <a:srgbClr val="C00000"/>
                 </a:solidFill>
               </a:rPr>
               <a:t>Dockerfile</a:t>
@@ -5632,7 +6504,7 @@
                   <a:schemeClr val="tx1"/>
                 </a:solidFill>
               </a:rPr>
-              <a:t>vim Dockerfile</a:t>
+              <a:t>…Right now, we get our images from Docker hub.</a:t>
             </a:r>
           </a:p>
           <a:p>
@@ -5650,7 +6522,7 @@
                   <a:schemeClr val="tx1"/>
                 </a:solidFill>
               </a:rPr>
-              <a:t>&gt; # Getting base image ubuntu</a:t>
+              <a:t>We can see a lot of images in the Docker hub repository.</a:t>
             </a:r>
           </a:p>
           <a:p>
@@ -5668,115 +6540,7 @@
                   <a:schemeClr val="tx1"/>
                 </a:solidFill>
               </a:rPr>
-              <a:t>&gt; # Create empty image</a:t>
-            </a:r>
-            <a:endParaRPr lang="en-US" dirty="0"/>
-          </a:p>
-          <a:p>
-            <a:pPr marL="342900" indent="-342900" algn="l">
-              <a:buClr>
-                <a:srgbClr val="0070C0"/>
-              </a:buClr>
-              <a:buSzPct val="80000"/>
-              <a:buFont typeface="Wingdings" pitchFamily="2" charset="2"/>
-              <a:buChar char="u"/>
-            </a:pPr>
-            <a:r>
-              <a:rPr lang="en-US" sz="1800" b="1" dirty="0">
-                <a:solidFill>
-                  <a:schemeClr val="tx1"/>
-                </a:solidFill>
-              </a:rPr>
-              <a:t>&gt; # FROM SCRATCH</a:t>
-            </a:r>
-          </a:p>
-          <a:p>
-            <a:pPr marL="342900" indent="-342900" algn="l">
-              <a:buClr>
-                <a:srgbClr val="0070C0"/>
-              </a:buClr>
-              <a:buSzPct val="80000"/>
-              <a:buFont typeface="Wingdings" pitchFamily="2" charset="2"/>
-              <a:buChar char="u"/>
-            </a:pPr>
-            <a:r>
-              <a:rPr lang="en-US" sz="1800" b="1" dirty="0">
-                <a:solidFill>
-                  <a:schemeClr val="tx1"/>
-                </a:solidFill>
-              </a:rPr>
-              <a:t>&gt; FROM ubuntu</a:t>
-            </a:r>
-          </a:p>
-          <a:p>
-            <a:pPr marL="342900" indent="-342900" algn="l">
-              <a:buClr>
-                <a:srgbClr val="0070C0"/>
-              </a:buClr>
-              <a:buSzPct val="80000"/>
-              <a:buFont typeface="Wingdings" pitchFamily="2" charset="2"/>
-              <a:buChar char="u"/>
-            </a:pPr>
-            <a:r>
-              <a:rPr lang="en-US" sz="1800" b="1" dirty="0">
-                <a:solidFill>
-                  <a:schemeClr val="tx1"/>
-                </a:solidFill>
-              </a:rPr>
-              <a:t>&gt; MAINTAINER Peter Chen &lt;</a:t>
-            </a:r>
-            <a:r>
-              <a:rPr lang="en-US" sz="1800" b="1" dirty="0">
-                <a:solidFill>
-                  <a:schemeClr val="tx1"/>
-                </a:solidFill>
-                <a:hlinkClick r:id="rId2"/>
-              </a:rPr>
-              <a:t>peter.hp.chen@gmail.com</a:t>
-            </a:r>
-            <a:r>
-              <a:rPr lang="en-US" sz="1800" b="1" dirty="0">
-                <a:solidFill>
-                  <a:schemeClr val="tx1"/>
-                </a:solidFill>
-              </a:rPr>
-              <a:t>&gt;</a:t>
-            </a:r>
-          </a:p>
-          <a:p>
-            <a:pPr marL="342900" indent="-342900" algn="l">
-              <a:buClr>
-                <a:srgbClr val="0070C0"/>
-              </a:buClr>
-              <a:buSzPct val="80000"/>
-              <a:buFont typeface="Wingdings" pitchFamily="2" charset="2"/>
-              <a:buChar char="u"/>
-            </a:pPr>
-            <a:r>
-              <a:rPr lang="en-US" sz="1800" b="1" dirty="0">
-                <a:solidFill>
-                  <a:schemeClr val="tx1"/>
-                </a:solidFill>
-              </a:rPr>
-              <a:t>&gt; RUN apt-get update</a:t>
-            </a:r>
-          </a:p>
-          <a:p>
-            <a:pPr marL="342900" indent="-342900" algn="l">
-              <a:buClr>
-                <a:srgbClr val="0070C0"/>
-              </a:buClr>
-              <a:buSzPct val="80000"/>
-              <a:buFont typeface="Wingdings" pitchFamily="2" charset="2"/>
-              <a:buChar char="u"/>
-            </a:pPr>
-            <a:r>
-              <a:rPr lang="en-US" sz="1800" b="1" dirty="0">
-                <a:solidFill>
-                  <a:schemeClr val="tx1"/>
-                </a:solidFill>
-              </a:rPr>
-              <a:t>&gt; CMD [“echo”, “Hello World..! First Docker Image”]</a:t>
+              <a:t>We have pull ubuntu, hello-world, and jenkins images.</a:t>
             </a:r>
           </a:p>
         </p:txBody>
@@ -5837,7 +6601,7 @@
             </a:pPr>
             <a:r>
               <a:rPr lang="en-US" sz="1600" dirty="0">
-                <a:hlinkClick r:id="rId3"/>
+                <a:hlinkClick r:id="rId2"/>
               </a:rPr>
               <a:t>https://www.youtube.com/watch?v=LQjaJINkQXY&amp;list=PLhW3qG5bs-L99pQsZ74f-LC-tOEsBp2rK&amp;index=12</a:t>
             </a:r>
@@ -5863,7 +6627,7 @@
             <a:fld id="{A4F910E6-8D00-4BAF-8C48-9688E0B449D3}" type="datetime1">
               <a:rPr lang="zh-TW" altLang="en-US" smtClean="0"/>
               <a:pPr/>
-              <a:t>2020/4/28</a:t>
+              <a:t>2021/12/11</a:t>
             </a:fld>
             <a:endParaRPr lang="zh-TW" altLang="en-US"/>
           </a:p>
@@ -5895,10 +6659,10 @@
       </p:sp>
       <p:pic>
         <p:nvPicPr>
-          <p:cNvPr id="7" name="Picture 6">
+          <p:cNvPr id="9" name="Picture 8">
             <a:extLst>
               <a:ext uri="{FF2B5EF4-FFF2-40B4-BE49-F238E27FC236}">
-                <a16:creationId xmlns:a16="http://schemas.microsoft.com/office/drawing/2014/main" id="{A7FCCCC9-873F-4044-9C88-99AFE0DFFA82}"/>
+                <a16:creationId xmlns:a16="http://schemas.microsoft.com/office/drawing/2014/main" id="{C2555D39-A11D-4226-A49C-3946F6AE5C20}"/>
               </a:ext>
             </a:extLst>
           </p:cNvPr>
@@ -5908,15 +6672,15 @@
           <p:nvPr/>
         </p:nvPicPr>
         <p:blipFill>
-          <a:blip r:embed="rId4"/>
+          <a:blip r:embed="rId3"/>
           <a:stretch>
             <a:fillRect/>
           </a:stretch>
         </p:blipFill>
         <p:spPr>
           <a:xfrm>
-            <a:off x="5364088" y="1198816"/>
-            <a:ext cx="3322712" cy="2005698"/>
+            <a:off x="1546519" y="2826555"/>
+            <a:ext cx="6050962" cy="3411064"/>
           </a:xfrm>
           <a:prstGeom prst="rect">
             <a:avLst/>
@@ -5931,7 +6695,7 @@
     </p:spTree>
     <p:extLst>
       <p:ext uri="{BB962C8B-B14F-4D97-AF65-F5344CB8AC3E}">
-        <p14:creationId xmlns:p14="http://schemas.microsoft.com/office/powerpoint/2010/main" val="442720156"/>
+        <p14:creationId xmlns:p14="http://schemas.microsoft.com/office/powerpoint/2010/main" val="3517153439"/>
       </p:ext>
     </p:extLst>
   </p:cSld>
@@ -5942,155 +6706,6 @@
 </file>
 
 <file path=ppt/slides/slide7.xml><?xml version="1.0" encoding="utf-8"?>
-<p:sld xmlns:a="http://schemas.openxmlformats.org/drawingml/2006/main" xmlns:r="http://schemas.openxmlformats.org/officeDocument/2006/relationships" xmlns:p="http://schemas.openxmlformats.org/presentationml/2006/main">
-  <p:cSld>
-    <p:spTree>
-      <p:nvGrpSpPr>
-        <p:cNvPr id="1" name=""/>
-        <p:cNvGrpSpPr/>
-        <p:nvPr/>
-      </p:nvGrpSpPr>
-      <p:grpSpPr>
-        <a:xfrm>
-          <a:off x="0" y="0"/>
-          <a:ext cx="0" cy="0"/>
-          <a:chOff x="0" y="0"/>
-          <a:chExt cx="0" cy="0"/>
-        </a:xfrm>
-      </p:grpSpPr>
-      <p:sp>
-        <p:nvSpPr>
-          <p:cNvPr id="2" name="標題 1"/>
-          <p:cNvSpPr>
-            <a:spLocks noGrp="1"/>
-          </p:cNvSpPr>
-          <p:nvPr>
-            <p:ph type="ctrTitle"/>
-          </p:nvPr>
-        </p:nvSpPr>
-        <p:spPr>
-          <a:xfrm>
-            <a:off x="0" y="2132856"/>
-            <a:ext cx="9144000" cy="1470025"/>
-          </a:xfrm>
-          <a:solidFill>
-            <a:srgbClr val="00B0F0"/>
-          </a:solidFill>
-        </p:spPr>
-        <p:txBody>
-          <a:bodyPr>
-            <a:normAutofit/>
-          </a:bodyPr>
-          <a:lstStyle/>
-          <a:p>
-            <a:r>
-              <a:rPr lang="en-US" altLang="zh-TW" sz="4800" b="1" dirty="0">
-                <a:solidFill>
-                  <a:srgbClr val="FFFF00"/>
-                </a:solidFill>
-              </a:rPr>
-              <a:t>12.2 Docker Build</a:t>
-            </a:r>
-            <a:endParaRPr lang="zh-TW" altLang="en-US" sz="4800" b="1" dirty="0">
-              <a:solidFill>
-                <a:srgbClr val="FFFF00"/>
-              </a:solidFill>
-            </a:endParaRPr>
-          </a:p>
-        </p:txBody>
-      </p:sp>
-      <p:sp>
-        <p:nvSpPr>
-          <p:cNvPr id="5" name="日期版面配置區 4"/>
-          <p:cNvSpPr>
-            <a:spLocks noGrp="1"/>
-          </p:cNvSpPr>
-          <p:nvPr>
-            <p:ph type="dt" sz="half" idx="10"/>
-          </p:nvPr>
-        </p:nvSpPr>
-        <p:spPr/>
-        <p:txBody>
-          <a:bodyPr/>
-          <a:lstStyle/>
-          <a:p>
-            <a:fld id="{C389EDC9-19E3-47AC-9C57-C6A24DEA81AD}" type="datetime1">
-              <a:rPr lang="zh-TW" altLang="en-US" smtClean="0"/>
-              <a:pPr/>
-              <a:t>2020/4/28</a:t>
-            </a:fld>
-            <a:endParaRPr lang="zh-TW" altLang="en-US"/>
-          </a:p>
-        </p:txBody>
-      </p:sp>
-      <p:sp>
-        <p:nvSpPr>
-          <p:cNvPr id="6" name="投影片編號版面配置區 5"/>
-          <p:cNvSpPr>
-            <a:spLocks noGrp="1"/>
-          </p:cNvSpPr>
-          <p:nvPr>
-            <p:ph type="sldNum" sz="quarter" idx="12"/>
-          </p:nvPr>
-        </p:nvSpPr>
-        <p:spPr/>
-        <p:txBody>
-          <a:bodyPr/>
-          <a:lstStyle/>
-          <a:p>
-            <a:fld id="{E4D7E63D-91F2-4366-A2C4-1B00C9E2590E}" type="slidenum">
-              <a:rPr lang="zh-TW" altLang="en-US" smtClean="0"/>
-              <a:pPr/>
-              <a:t>7</a:t>
-            </a:fld>
-            <a:endParaRPr lang="zh-TW" altLang="en-US"/>
-          </a:p>
-        </p:txBody>
-      </p:sp>
-      <p:pic>
-        <p:nvPicPr>
-          <p:cNvPr id="4" name="Picture 3">
-            <a:extLst>
-              <a:ext uri="{FF2B5EF4-FFF2-40B4-BE49-F238E27FC236}">
-                <a16:creationId xmlns:a16="http://schemas.microsoft.com/office/drawing/2014/main" id="{BA95816A-DA60-4F4F-A8F7-8C670708D156}"/>
-              </a:ext>
-            </a:extLst>
-          </p:cNvPr>
-          <p:cNvPicPr>
-            <a:picLocks noChangeAspect="1"/>
-          </p:cNvPicPr>
-          <p:nvPr/>
-        </p:nvPicPr>
-        <p:blipFill>
-          <a:blip r:embed="rId2"/>
-          <a:stretch>
-            <a:fillRect/>
-          </a:stretch>
-        </p:blipFill>
-        <p:spPr>
-          <a:xfrm>
-            <a:off x="3707904" y="3717032"/>
-            <a:ext cx="1404739" cy="936493"/>
-          </a:xfrm>
-          <a:prstGeom prst="rect">
-            <a:avLst/>
-          </a:prstGeom>
-        </p:spPr>
-      </p:pic>
-    </p:spTree>
-    <p:extLst>
-      <p:ext uri="{BB962C8B-B14F-4D97-AF65-F5344CB8AC3E}">
-        <p14:creationId xmlns:p14="http://schemas.microsoft.com/office/powerpoint/2010/main" val="3948676310"/>
-      </p:ext>
-    </p:extLst>
-  </p:cSld>
-  <p:clrMapOvr>
-    <a:masterClrMapping/>
-  </p:clrMapOvr>
-</p:sld>
-</file>
-
-<file path=ppt/slides/slide8.xml><?xml version="1.0" encoding="utf-8"?>
 <p:sld xmlns:a="http://schemas.openxmlformats.org/drawingml/2006/main" xmlns:r="http://schemas.openxmlformats.org/officeDocument/2006/relationships" xmlns:p="http://schemas.openxmlformats.org/presentationml/2006/main">
   <p:cSld>
     <p:spTree>
@@ -6162,7 +6777,7 @@
                   <a:srgbClr val="FFFF00"/>
                 </a:solidFill>
               </a:rPr>
-              <a:t>12.2 Docker Build</a:t>
+              <a:t>12.1 Dockerfile</a:t>
             </a:r>
             <a:endParaRPr lang="zh-TW" altLang="en-US" b="1" dirty="0">
               <a:solidFill>
@@ -6185,7 +6800,7 @@
         <p:spPr>
           <a:xfrm>
             <a:off x="467543" y="1268761"/>
-            <a:ext cx="8219257" cy="945324"/>
+            <a:ext cx="8219257" cy="2952327"/>
           </a:xfrm>
           <a:ln>
             <a:solidFill>
@@ -6213,7 +6828,7 @@
                   <a:schemeClr val="tx1"/>
                 </a:solidFill>
               </a:rPr>
-              <a:t>Docker Build</a:t>
+              <a:t>Dockerfile</a:t>
             </a:r>
           </a:p>
           <a:p>
@@ -6231,7 +6846,15 @@
                   <a:schemeClr val="tx1"/>
                 </a:solidFill>
               </a:rPr>
-              <a:t>&gt; docker build -t firstimage:1.0 .</a:t>
+              <a:t>Dockerfile is basically </a:t>
+            </a:r>
+            <a:r>
+              <a:rPr lang="en-US" sz="1800" b="1" dirty="0">
+                <a:solidFill>
+                  <a:srgbClr val="C00000"/>
+                </a:solidFill>
+              </a:rPr>
+              <a:t>Automation of Docker Image Creation</a:t>
             </a:r>
           </a:p>
           <a:p>
@@ -6249,7 +6872,109 @@
                   <a:schemeClr val="tx1"/>
                 </a:solidFill>
               </a:rPr>
-              <a:t>Note: -t: tag .: current folder</a:t>
+              <a:t>…and there are some basic instructions that you use in the Dockerfile.</a:t>
+            </a:r>
+          </a:p>
+          <a:p>
+            <a:pPr marL="342900" indent="-342900" algn="l">
+              <a:buClr>
+                <a:srgbClr val="0070C0"/>
+              </a:buClr>
+              <a:buSzPct val="80000"/>
+              <a:buFont typeface="Wingdings" pitchFamily="2" charset="2"/>
+              <a:buChar char="u"/>
+            </a:pPr>
+            <a:endParaRPr lang="en-US" sz="1800" b="1" dirty="0">
+              <a:solidFill>
+                <a:schemeClr val="tx1"/>
+              </a:solidFill>
+            </a:endParaRPr>
+          </a:p>
+          <a:p>
+            <a:pPr marL="342900" indent="-342900" algn="l">
+              <a:buClr>
+                <a:srgbClr val="0070C0"/>
+              </a:buClr>
+              <a:buSzPct val="80000"/>
+              <a:buFont typeface="Wingdings" pitchFamily="2" charset="2"/>
+              <a:buChar char="u"/>
+            </a:pPr>
+            <a:r>
+              <a:rPr lang="en-US" sz="1800" b="1" dirty="0">
+                <a:solidFill>
+                  <a:srgbClr val="C00000"/>
+                </a:solidFill>
+              </a:rPr>
+              <a:t>FROM</a:t>
+            </a:r>
+          </a:p>
+          <a:p>
+            <a:pPr marL="342900" indent="-342900" algn="l">
+              <a:buClr>
+                <a:srgbClr val="0070C0"/>
+              </a:buClr>
+              <a:buSzPct val="80000"/>
+              <a:buFont typeface="Wingdings" pitchFamily="2" charset="2"/>
+              <a:buChar char="u"/>
+            </a:pPr>
+            <a:r>
+              <a:rPr lang="en-US" sz="1800" b="1" dirty="0">
+                <a:solidFill>
+                  <a:srgbClr val="C00000"/>
+                </a:solidFill>
+              </a:rPr>
+              <a:t>RUN</a:t>
+            </a:r>
+          </a:p>
+          <a:p>
+            <a:pPr marL="342900" indent="-342900" algn="l">
+              <a:buClr>
+                <a:srgbClr val="0070C0"/>
+              </a:buClr>
+              <a:buSzPct val="80000"/>
+              <a:buFont typeface="Wingdings" pitchFamily="2" charset="2"/>
+              <a:buChar char="u"/>
+            </a:pPr>
+            <a:r>
+              <a:rPr lang="en-US" sz="1800" b="1" dirty="0">
+                <a:solidFill>
+                  <a:srgbClr val="C00000"/>
+                </a:solidFill>
+              </a:rPr>
+              <a:t>CMD</a:t>
+            </a:r>
+          </a:p>
+          <a:p>
+            <a:pPr marL="342900" indent="-342900" algn="l">
+              <a:buClr>
+                <a:srgbClr val="0070C0"/>
+              </a:buClr>
+              <a:buSzPct val="80000"/>
+              <a:buFont typeface="Wingdings" pitchFamily="2" charset="2"/>
+              <a:buChar char="u"/>
+            </a:pPr>
+            <a:endParaRPr lang="en-US" sz="1800" b="1" dirty="0">
+              <a:solidFill>
+                <a:schemeClr val="tx1"/>
+              </a:solidFill>
+            </a:endParaRPr>
+          </a:p>
+          <a:p>
+            <a:pPr marL="342900" indent="-342900" algn="l">
+              <a:buClr>
+                <a:srgbClr val="0070C0"/>
+              </a:buClr>
+              <a:buSzPct val="80000"/>
+              <a:buFont typeface="Wingdings" pitchFamily="2" charset="2"/>
+              <a:buChar char="u"/>
+            </a:pPr>
+            <a:r>
+              <a:rPr lang="en-US" sz="1800" b="1" dirty="0">
+                <a:solidFill>
+                  <a:schemeClr val="tx1"/>
+                </a:solidFill>
+              </a:rPr>
+              <a:t>Let’s go step by step.</a:t>
             </a:r>
           </a:p>
         </p:txBody>
@@ -6336,7 +7061,7 @@
             <a:fld id="{A4F910E6-8D00-4BAF-8C48-9688E0B449D3}" type="datetime1">
               <a:rPr lang="zh-TW" altLang="en-US" smtClean="0"/>
               <a:pPr/>
-              <a:t>2020/4/28</a:t>
+              <a:t>2021/12/11</a:t>
             </a:fld>
             <a:endParaRPr lang="zh-TW" altLang="en-US"/>
           </a:p>
@@ -6360,51 +7085,16 @@
             <a:fld id="{E4D7E63D-91F2-4366-A2C4-1B00C9E2590E}" type="slidenum">
               <a:rPr lang="zh-TW" altLang="en-US" smtClean="0"/>
               <a:pPr/>
-              <a:t>8</a:t>
+              <a:t>7</a:t>
             </a:fld>
             <a:endParaRPr lang="zh-TW" altLang="en-US"/>
           </a:p>
         </p:txBody>
       </p:sp>
-      <p:pic>
-        <p:nvPicPr>
-          <p:cNvPr id="8" name="Picture 7">
-            <a:extLst>
-              <a:ext uri="{FF2B5EF4-FFF2-40B4-BE49-F238E27FC236}">
-                <a16:creationId xmlns:a16="http://schemas.microsoft.com/office/drawing/2014/main" id="{99B5EBBB-4C1E-4847-AC7D-6CDE7C363CE1}"/>
-              </a:ext>
-            </a:extLst>
-          </p:cNvPr>
-          <p:cNvPicPr>
-            <a:picLocks noChangeAspect="1"/>
-          </p:cNvPicPr>
-          <p:nvPr/>
-        </p:nvPicPr>
-        <p:blipFill>
-          <a:blip r:embed="rId3"/>
-          <a:stretch>
-            <a:fillRect/>
-          </a:stretch>
-        </p:blipFill>
-        <p:spPr>
-          <a:xfrm>
-            <a:off x="1619672" y="2574124"/>
-            <a:ext cx="6444208" cy="3953338"/>
-          </a:xfrm>
-          <a:prstGeom prst="rect">
-            <a:avLst/>
-          </a:prstGeom>
-          <a:ln>
-            <a:solidFill>
-              <a:srgbClr val="C00000"/>
-            </a:solidFill>
-          </a:ln>
-        </p:spPr>
-      </p:pic>
     </p:spTree>
     <p:extLst>
       <p:ext uri="{BB962C8B-B14F-4D97-AF65-F5344CB8AC3E}">
-        <p14:creationId xmlns:p14="http://schemas.microsoft.com/office/powerpoint/2010/main" val="1669545191"/>
+        <p14:creationId xmlns:p14="http://schemas.microsoft.com/office/powerpoint/2010/main" val="2297385819"/>
       </p:ext>
     </p:extLst>
   </p:cSld>
@@ -6414,7 +7104,7 @@
 </p:sld>
 </file>
 
-<file path=ppt/slides/slide9.xml><?xml version="1.0" encoding="utf-8"?>
+<file path=ppt/slides/slide8.xml><?xml version="1.0" encoding="utf-8"?>
 <p:sld xmlns:a="http://schemas.openxmlformats.org/drawingml/2006/main" xmlns:r="http://schemas.openxmlformats.org/officeDocument/2006/relationships" xmlns:p="http://schemas.openxmlformats.org/presentationml/2006/main">
   <p:cSld>
     <p:spTree>
@@ -6509,7 +7199,7 @@
         <p:spPr>
           <a:xfrm>
             <a:off x="467543" y="1268761"/>
-            <a:ext cx="8219257" cy="651653"/>
+            <a:ext cx="8219257" cy="2736303"/>
           </a:xfrm>
           <a:ln>
             <a:solidFill>
@@ -6534,7 +7224,7 @@
             <a:r>
               <a:rPr lang="en-US" sz="1800" b="1" dirty="0">
                 <a:solidFill>
-                  <a:schemeClr val="tx1"/>
+                  <a:srgbClr val="C00000"/>
                 </a:solidFill>
               </a:rPr>
               <a:t>Dockerfile</a:t>
@@ -6552,11 +7242,140 @@
             <a:r>
               <a:rPr lang="en-US" sz="1800" b="1" dirty="0">
                 <a:solidFill>
+                  <a:srgbClr val="C00000"/>
+                </a:solidFill>
+              </a:rPr>
+              <a:t>Step 1: Create a file name Dockerfile. </a:t>
+            </a:r>
+          </a:p>
+          <a:p>
+            <a:pPr marL="342900" indent="-342900" algn="l">
+              <a:buClr>
+                <a:srgbClr val="0070C0"/>
+              </a:buClr>
+              <a:buSzPct val="80000"/>
+              <a:buFont typeface="Wingdings" pitchFamily="2" charset="2"/>
+              <a:buChar char="u"/>
+            </a:pPr>
+            <a:r>
+              <a:rPr lang="en-US" sz="1800" b="1" dirty="0">
+                <a:solidFill>
                   <a:schemeClr val="tx1"/>
                 </a:solidFill>
               </a:rPr>
-              <a:t>&gt; docker images</a:t>
-            </a:r>
+              <a:t>When you run the Docker build commands. </a:t>
+            </a:r>
+          </a:p>
+          <a:p>
+            <a:pPr marL="342900" indent="-342900" algn="l">
+              <a:buClr>
+                <a:srgbClr val="0070C0"/>
+              </a:buClr>
+              <a:buSzPct val="80000"/>
+              <a:buFont typeface="Wingdings" pitchFamily="2" charset="2"/>
+              <a:buChar char="u"/>
+            </a:pPr>
+            <a:r>
+              <a:rPr lang="en-US" sz="1800" b="1" dirty="0">
+                <a:solidFill>
+                  <a:schemeClr val="tx1"/>
+                </a:solidFill>
+              </a:rPr>
+              <a:t>Docker searches for a file name Dockerfile, however, you can also specify some different name. But for now, we use Dockerfile only.</a:t>
+            </a:r>
+          </a:p>
+          <a:p>
+            <a:pPr marL="342900" indent="-342900" algn="l">
+              <a:buClr>
+                <a:srgbClr val="0070C0"/>
+              </a:buClr>
+              <a:buSzPct val="80000"/>
+              <a:buFont typeface="Wingdings" pitchFamily="2" charset="2"/>
+              <a:buChar char="u"/>
+            </a:pPr>
+            <a:endParaRPr lang="en-US" sz="1800" b="1" dirty="0">
+              <a:solidFill>
+                <a:schemeClr val="tx1"/>
+              </a:solidFill>
+            </a:endParaRPr>
+          </a:p>
+          <a:p>
+            <a:pPr marL="342900" indent="-342900" algn="l">
+              <a:buClr>
+                <a:srgbClr val="0070C0"/>
+              </a:buClr>
+              <a:buSzPct val="80000"/>
+              <a:buFont typeface="Wingdings" pitchFamily="2" charset="2"/>
+              <a:buChar char="u"/>
+            </a:pPr>
+            <a:r>
+              <a:rPr lang="en-US" sz="1800" b="1" dirty="0">
+                <a:solidFill>
+                  <a:schemeClr val="tx1"/>
+                </a:solidFill>
+              </a:rPr>
+              <a:t>&gt; </a:t>
+            </a:r>
+            <a:r>
+              <a:rPr lang="en-US" sz="1800" b="1" dirty="0" err="1">
+                <a:solidFill>
+                  <a:schemeClr val="tx1"/>
+                </a:solidFill>
+              </a:rPr>
+              <a:t>mkdir</a:t>
+            </a:r>
+            <a:r>
+              <a:rPr lang="en-US" sz="1800" b="1" dirty="0">
+                <a:solidFill>
+                  <a:schemeClr val="tx1"/>
+                </a:solidFill>
+              </a:rPr>
+              <a:t> </a:t>
+            </a:r>
+            <a:r>
+              <a:rPr lang="en-US" sz="1800" b="1" dirty="0" err="1">
+                <a:solidFill>
+                  <a:schemeClr val="tx1"/>
+                </a:solidFill>
+              </a:rPr>
+              <a:t>DockerFiles</a:t>
+            </a:r>
+            <a:endParaRPr lang="en-US" sz="1800" b="1" dirty="0">
+              <a:solidFill>
+                <a:schemeClr val="tx1"/>
+              </a:solidFill>
+            </a:endParaRPr>
+          </a:p>
+          <a:p>
+            <a:pPr marL="342900" indent="-342900" algn="l">
+              <a:buClr>
+                <a:srgbClr val="0070C0"/>
+              </a:buClr>
+              <a:buSzPct val="80000"/>
+              <a:buFont typeface="Wingdings" pitchFamily="2" charset="2"/>
+              <a:buChar char="u"/>
+            </a:pPr>
+            <a:r>
+              <a:rPr lang="en-US" sz="1800" b="1" dirty="0">
+                <a:solidFill>
+                  <a:schemeClr val="tx1"/>
+                </a:solidFill>
+              </a:rPr>
+              <a:t>&gt; cd </a:t>
+            </a:r>
+            <a:r>
+              <a:rPr lang="en-US" sz="1800" b="1" dirty="0" err="1">
+                <a:solidFill>
+                  <a:schemeClr val="tx1"/>
+                </a:solidFill>
+              </a:rPr>
+              <a:t>DockerFiles</a:t>
+            </a:r>
+            <a:endParaRPr lang="en-US" sz="1800" b="1" dirty="0">
+              <a:solidFill>
+                <a:schemeClr val="tx1"/>
+              </a:solidFill>
+            </a:endParaRPr>
           </a:p>
         </p:txBody>
       </p:sp>
@@ -6642,7 +7461,422 @@
             <a:fld id="{A4F910E6-8D00-4BAF-8C48-9688E0B449D3}" type="datetime1">
               <a:rPr lang="zh-TW" altLang="en-US" smtClean="0"/>
               <a:pPr/>
-              <a:t>2020/4/28</a:t>
+              <a:t>2021/12/11</a:t>
+            </a:fld>
+            <a:endParaRPr lang="zh-TW" altLang="en-US"/>
+          </a:p>
+        </p:txBody>
+      </p:sp>
+      <p:sp>
+        <p:nvSpPr>
+          <p:cNvPr id="6" name="投影片編號版面配置區 5"/>
+          <p:cNvSpPr>
+            <a:spLocks noGrp="1"/>
+          </p:cNvSpPr>
+          <p:nvPr>
+            <p:ph type="sldNum" sz="quarter" idx="12"/>
+          </p:nvPr>
+        </p:nvSpPr>
+        <p:spPr/>
+        <p:txBody>
+          <a:bodyPr/>
+          <a:lstStyle/>
+          <a:p>
+            <a:fld id="{E4D7E63D-91F2-4366-A2C4-1B00C9E2590E}" type="slidenum">
+              <a:rPr lang="zh-TW" altLang="en-US" smtClean="0"/>
+              <a:pPr/>
+              <a:t>8</a:t>
+            </a:fld>
+            <a:endParaRPr lang="zh-TW" altLang="en-US"/>
+          </a:p>
+        </p:txBody>
+      </p:sp>
+    </p:spTree>
+    <p:extLst>
+      <p:ext uri="{BB962C8B-B14F-4D97-AF65-F5344CB8AC3E}">
+        <p14:creationId xmlns:p14="http://schemas.microsoft.com/office/powerpoint/2010/main" val="1182683356"/>
+      </p:ext>
+    </p:extLst>
+  </p:cSld>
+  <p:clrMapOvr>
+    <a:masterClrMapping/>
+  </p:clrMapOvr>
+</p:sld>
+</file>
+
+<file path=ppt/slides/slide9.xml><?xml version="1.0" encoding="utf-8"?>
+<p:sld xmlns:a="http://schemas.openxmlformats.org/drawingml/2006/main" xmlns:r="http://schemas.openxmlformats.org/officeDocument/2006/relationships" xmlns:p="http://schemas.openxmlformats.org/presentationml/2006/main">
+  <p:cSld>
+    <p:spTree>
+      <p:nvGrpSpPr>
+        <p:cNvPr id="1" name=""/>
+        <p:cNvGrpSpPr/>
+        <p:nvPr/>
+      </p:nvGrpSpPr>
+      <p:grpSpPr>
+        <a:xfrm>
+          <a:off x="0" y="0"/>
+          <a:ext cx="0" cy="0"/>
+          <a:chOff x="0" y="0"/>
+          <a:chExt cx="0" cy="0"/>
+        </a:xfrm>
+      </p:grpSpPr>
+      <p:sp>
+        <p:nvSpPr>
+          <p:cNvPr id="2" name="標題 1"/>
+          <p:cNvSpPr>
+            <a:spLocks noGrp="1"/>
+          </p:cNvSpPr>
+          <p:nvPr>
+            <p:ph type="ctrTitle"/>
+          </p:nvPr>
+        </p:nvSpPr>
+        <p:spPr>
+          <a:xfrm>
+            <a:off x="0" y="1"/>
+            <a:ext cx="9144000" cy="764704"/>
+          </a:xfrm>
+          <a:gradFill flip="none" rotWithShape="1">
+            <a:gsLst>
+              <a:gs pos="0">
+                <a:srgbClr val="C00000">
+                  <a:shade val="30000"/>
+                  <a:satMod val="115000"/>
+                </a:srgbClr>
+              </a:gs>
+              <a:gs pos="50000">
+                <a:srgbClr val="C00000">
+                  <a:shade val="67500"/>
+                  <a:satMod val="115000"/>
+                </a:srgbClr>
+              </a:gs>
+              <a:gs pos="100000">
+                <a:srgbClr val="C00000">
+                  <a:shade val="100000"/>
+                  <a:satMod val="115000"/>
+                </a:srgbClr>
+              </a:gs>
+            </a:gsLst>
+            <a:path path="circle">
+              <a:fillToRect t="100000" r="100000"/>
+            </a:path>
+            <a:tileRect l="-100000" b="-100000"/>
+          </a:gradFill>
+        </p:spPr>
+        <p:txBody>
+          <a:bodyPr>
+            <a:normAutofit/>
+          </a:bodyPr>
+          <a:lstStyle/>
+          <a:p>
+            <a:pPr algn="l"/>
+            <a:r>
+              <a:rPr lang="en-US" altLang="zh-TW" b="1" dirty="0">
+                <a:solidFill>
+                  <a:srgbClr val="FFFF00"/>
+                </a:solidFill>
+              </a:rPr>
+              <a:t>12.1 Dockerfile</a:t>
+            </a:r>
+            <a:endParaRPr lang="zh-TW" altLang="en-US" b="1" dirty="0">
+              <a:solidFill>
+                <a:srgbClr val="FFFF00"/>
+              </a:solidFill>
+            </a:endParaRPr>
+          </a:p>
+        </p:txBody>
+      </p:sp>
+      <p:sp>
+        <p:nvSpPr>
+          <p:cNvPr id="3" name="副標題 2"/>
+          <p:cNvSpPr>
+            <a:spLocks noGrp="1"/>
+          </p:cNvSpPr>
+          <p:nvPr>
+            <p:ph type="subTitle" idx="1"/>
+          </p:nvPr>
+        </p:nvSpPr>
+        <p:spPr>
+          <a:xfrm>
+            <a:off x="467543" y="1268761"/>
+            <a:ext cx="8219257" cy="3007819"/>
+          </a:xfrm>
+          <a:ln>
+            <a:solidFill>
+              <a:srgbClr val="C00000"/>
+            </a:solidFill>
+          </a:ln>
+        </p:spPr>
+        <p:txBody>
+          <a:bodyPr>
+            <a:noAutofit/>
+          </a:bodyPr>
+          <a:lstStyle/>
+          <a:p>
+            <a:pPr marL="342900" indent="-342900" algn="l">
+              <a:buClr>
+                <a:srgbClr val="0070C0"/>
+              </a:buClr>
+              <a:buSzPct val="80000"/>
+              <a:buFont typeface="Wingdings" pitchFamily="2" charset="2"/>
+              <a:buChar char="u"/>
+            </a:pPr>
+            <a:r>
+              <a:rPr lang="en-US" sz="1800" b="1" dirty="0">
+                <a:solidFill>
+                  <a:schemeClr val="tx1"/>
+                </a:solidFill>
+              </a:rPr>
+              <a:t>Dockerfile</a:t>
+            </a:r>
+          </a:p>
+          <a:p>
+            <a:pPr marL="342900" indent="-342900" algn="l">
+              <a:buClr>
+                <a:srgbClr val="0070C0"/>
+              </a:buClr>
+              <a:buSzPct val="80000"/>
+              <a:buFont typeface="Wingdings" pitchFamily="2" charset="2"/>
+              <a:buChar char="u"/>
+            </a:pPr>
+            <a:r>
+              <a:rPr lang="en-US" sz="1800" b="1" dirty="0">
+                <a:solidFill>
+                  <a:schemeClr val="tx1"/>
+                </a:solidFill>
+              </a:rPr>
+              <a:t>vim Dockerfile</a:t>
+            </a:r>
+          </a:p>
+          <a:p>
+            <a:pPr marL="342900" indent="-342900" algn="l">
+              <a:buClr>
+                <a:srgbClr val="0070C0"/>
+              </a:buClr>
+              <a:buSzPct val="80000"/>
+              <a:buFont typeface="Wingdings" pitchFamily="2" charset="2"/>
+              <a:buChar char="u"/>
+            </a:pPr>
+            <a:r>
+              <a:rPr lang="en-US" sz="1800" b="1" dirty="0">
+                <a:solidFill>
+                  <a:schemeClr val="tx1"/>
+                </a:solidFill>
+              </a:rPr>
+              <a:t>&gt; # Getting base image ubuntu</a:t>
+            </a:r>
+          </a:p>
+          <a:p>
+            <a:pPr marL="342900" indent="-342900" algn="l">
+              <a:buClr>
+                <a:srgbClr val="0070C0"/>
+              </a:buClr>
+              <a:buSzPct val="80000"/>
+              <a:buFont typeface="Wingdings" pitchFamily="2" charset="2"/>
+              <a:buChar char="u"/>
+            </a:pPr>
+            <a:r>
+              <a:rPr lang="en-US" sz="1800" b="1" dirty="0">
+                <a:solidFill>
+                  <a:schemeClr val="tx1"/>
+                </a:solidFill>
+              </a:rPr>
+              <a:t>&gt; # “FROM scratch” image create empty image</a:t>
+            </a:r>
+            <a:endParaRPr lang="en-US" dirty="0"/>
+          </a:p>
+          <a:p>
+            <a:pPr marL="342900" indent="-342900" algn="l">
+              <a:buClr>
+                <a:srgbClr val="0070C0"/>
+              </a:buClr>
+              <a:buSzPct val="80000"/>
+              <a:buFont typeface="Wingdings" pitchFamily="2" charset="2"/>
+              <a:buChar char="u"/>
+            </a:pPr>
+            <a:r>
+              <a:rPr lang="en-US" sz="1800" b="1" dirty="0">
+                <a:solidFill>
+                  <a:schemeClr val="tx1"/>
+                </a:solidFill>
+              </a:rPr>
+              <a:t>&gt; # FROM scratch</a:t>
+            </a:r>
+          </a:p>
+          <a:p>
+            <a:pPr marL="342900" indent="-342900" algn="l">
+              <a:buClr>
+                <a:srgbClr val="0070C0"/>
+              </a:buClr>
+              <a:buSzPct val="80000"/>
+              <a:buFont typeface="Wingdings" pitchFamily="2" charset="2"/>
+              <a:buChar char="u"/>
+            </a:pPr>
+            <a:r>
+              <a:rPr lang="en-US" sz="1800" b="1" dirty="0">
+                <a:solidFill>
+                  <a:schemeClr val="tx1"/>
+                </a:solidFill>
+              </a:rPr>
+              <a:t>&gt; FROM ubuntu</a:t>
+            </a:r>
+          </a:p>
+          <a:p>
+            <a:pPr marL="342900" indent="-342900" algn="l">
+              <a:buClr>
+                <a:srgbClr val="0070C0"/>
+              </a:buClr>
+              <a:buSzPct val="80000"/>
+              <a:buFont typeface="Wingdings" pitchFamily="2" charset="2"/>
+              <a:buChar char="u"/>
+            </a:pPr>
+            <a:r>
+              <a:rPr lang="en-US" sz="1800" b="1" dirty="0">
+                <a:solidFill>
+                  <a:schemeClr val="tx1"/>
+                </a:solidFill>
+              </a:rPr>
+              <a:t>&gt; MAINTAINER Peter Chen &lt;</a:t>
+            </a:r>
+            <a:r>
+              <a:rPr lang="en-US" sz="1800" b="1" dirty="0">
+                <a:solidFill>
+                  <a:schemeClr val="tx1"/>
+                </a:solidFill>
+                <a:hlinkClick r:id="rId2"/>
+              </a:rPr>
+              <a:t>peter.hp.chen@gmail.com</a:t>
+            </a:r>
+            <a:r>
+              <a:rPr lang="en-US" sz="1800" b="1" dirty="0">
+                <a:solidFill>
+                  <a:schemeClr val="tx1"/>
+                </a:solidFill>
+              </a:rPr>
+              <a:t>&gt;</a:t>
+            </a:r>
+          </a:p>
+          <a:p>
+            <a:pPr marL="342900" indent="-342900" algn="l">
+              <a:buClr>
+                <a:srgbClr val="0070C0"/>
+              </a:buClr>
+              <a:buSzPct val="80000"/>
+              <a:buFont typeface="Wingdings" pitchFamily="2" charset="2"/>
+              <a:buChar char="u"/>
+            </a:pPr>
+            <a:r>
+              <a:rPr lang="en-US" sz="1800" b="1" dirty="0">
+                <a:solidFill>
+                  <a:schemeClr val="tx1"/>
+                </a:solidFill>
+              </a:rPr>
+              <a:t>&gt; RUN apt-get update</a:t>
+            </a:r>
+          </a:p>
+          <a:p>
+            <a:pPr marL="342900" indent="-342900" algn="l">
+              <a:buClr>
+                <a:srgbClr val="0070C0"/>
+              </a:buClr>
+              <a:buSzPct val="80000"/>
+              <a:buFont typeface="Wingdings" pitchFamily="2" charset="2"/>
+              <a:buChar char="u"/>
+            </a:pPr>
+            <a:r>
+              <a:rPr lang="en-US" sz="1800" b="1" dirty="0">
+                <a:solidFill>
+                  <a:schemeClr val="tx1"/>
+                </a:solidFill>
+              </a:rPr>
+              <a:t>&gt; CMD [“echo”, “Hello World..! First Docker Image”]</a:t>
+            </a:r>
+          </a:p>
+        </p:txBody>
+      </p:sp>
+      <p:sp>
+        <p:nvSpPr>
+          <p:cNvPr id="4" name="標題 1"/>
+          <p:cNvSpPr txBox="1">
+            <a:spLocks/>
+          </p:cNvSpPr>
+          <p:nvPr/>
+        </p:nvSpPr>
+        <p:spPr>
+          <a:xfrm>
+            <a:off x="0" y="764704"/>
+            <a:ext cx="9144000" cy="360040"/>
+          </a:xfrm>
+          <a:prstGeom prst="rect">
+            <a:avLst/>
+          </a:prstGeom>
+          <a:gradFill flip="none" rotWithShape="1">
+            <a:gsLst>
+              <a:gs pos="0">
+                <a:srgbClr val="00B0F0">
+                  <a:shade val="30000"/>
+                  <a:satMod val="115000"/>
+                </a:srgbClr>
+              </a:gs>
+              <a:gs pos="50000">
+                <a:srgbClr val="00B0F0">
+                  <a:shade val="67500"/>
+                  <a:satMod val="115000"/>
+                </a:srgbClr>
+              </a:gs>
+              <a:gs pos="100000">
+                <a:srgbClr val="00B0F0">
+                  <a:shade val="100000"/>
+                  <a:satMod val="115000"/>
+                </a:srgbClr>
+              </a:gs>
+            </a:gsLst>
+            <a:path path="circle">
+              <a:fillToRect t="100000" r="100000"/>
+            </a:path>
+            <a:tileRect l="-100000" b="-100000"/>
+          </a:gradFill>
+        </p:spPr>
+        <p:txBody>
+          <a:bodyPr vert="horz" lIns="91440" tIns="45720" rIns="91440" bIns="45720" rtlCol="0" anchor="ctr">
+            <a:normAutofit/>
+          </a:bodyPr>
+          <a:lstStyle/>
+          <a:p>
+            <a:pPr lvl="0">
+              <a:spcBef>
+                <a:spcPct val="0"/>
+              </a:spcBef>
+            </a:pPr>
+            <a:r>
+              <a:rPr lang="en-US" sz="1600" dirty="0">
+                <a:hlinkClick r:id="rId3"/>
+              </a:rPr>
+              <a:t>https://www.youtube.com/watch?v=LQjaJINkQXY&amp;list=PLhW3qG5bs-L99pQsZ74f-LC-tOEsBp2rK&amp;index=12</a:t>
+            </a:r>
+            <a:endParaRPr lang="zh-TW" altLang="en-US" sz="1600" dirty="0"/>
+          </a:p>
+        </p:txBody>
+      </p:sp>
+      <p:sp>
+        <p:nvSpPr>
+          <p:cNvPr id="5" name="日期版面配置區 4"/>
+          <p:cNvSpPr>
+            <a:spLocks noGrp="1"/>
+          </p:cNvSpPr>
+          <p:nvPr>
+            <p:ph type="dt" sz="half" idx="10"/>
+          </p:nvPr>
+        </p:nvSpPr>
+        <p:spPr/>
+        <p:txBody>
+          <a:bodyPr/>
+          <a:lstStyle/>
+          <a:p>
+            <a:fld id="{A4F910E6-8D00-4BAF-8C48-9688E0B449D3}" type="datetime1">
+              <a:rPr lang="zh-TW" altLang="en-US" smtClean="0"/>
+              <a:pPr/>
+              <a:t>2021/12/11</a:t>
             </a:fld>
             <a:endParaRPr lang="zh-TW" altLang="en-US"/>
           </a:p>
@@ -6677,7 +7911,7 @@
           <p:cNvPr id="7" name="Picture 6">
             <a:extLst>
               <a:ext uri="{FF2B5EF4-FFF2-40B4-BE49-F238E27FC236}">
-                <a16:creationId xmlns:a16="http://schemas.microsoft.com/office/drawing/2014/main" id="{D9683A62-CC06-4C5B-9292-F8210B4D5AA9}"/>
+                <a16:creationId xmlns:a16="http://schemas.microsoft.com/office/drawing/2014/main" id="{A7FCCCC9-873F-4044-9C88-99AFE0DFFA82}"/>
               </a:ext>
             </a:extLst>
           </p:cNvPr>
@@ -6687,15 +7921,15 @@
           <p:nvPr/>
         </p:nvPicPr>
         <p:blipFill>
-          <a:blip r:embed="rId3"/>
+          <a:blip r:embed="rId4"/>
           <a:stretch>
             <a:fillRect/>
           </a:stretch>
         </p:blipFill>
         <p:spPr>
           <a:xfrm>
-            <a:off x="971600" y="2273060"/>
-            <a:ext cx="6772275" cy="1419225"/>
+            <a:off x="5652120" y="1150622"/>
+            <a:ext cx="3322712" cy="2005698"/>
           </a:xfrm>
           <a:prstGeom prst="rect">
             <a:avLst/>
@@ -6707,62 +7941,10 @@
           </a:ln>
         </p:spPr>
       </p:pic>
-      <p:sp>
-        <p:nvSpPr>
-          <p:cNvPr id="9" name="Rectangle 8">
-            <a:extLst>
-              <a:ext uri="{FF2B5EF4-FFF2-40B4-BE49-F238E27FC236}">
-                <a16:creationId xmlns:a16="http://schemas.microsoft.com/office/drawing/2014/main" id="{C2B8090A-2E79-45E6-B6B7-1EEA6E54B67C}"/>
-              </a:ext>
-            </a:extLst>
-          </p:cNvPr>
-          <p:cNvSpPr/>
-          <p:nvPr/>
-        </p:nvSpPr>
-        <p:spPr>
-          <a:xfrm>
-            <a:off x="899592" y="2559821"/>
-            <a:ext cx="2232248" cy="365124"/>
-          </a:xfrm>
-          <a:prstGeom prst="rect">
-            <a:avLst/>
-          </a:prstGeom>
-          <a:noFill/>
-          <a:ln>
-            <a:solidFill>
-              <a:srgbClr val="C00000"/>
-            </a:solidFill>
-          </a:ln>
-        </p:spPr>
-        <p:style>
-          <a:lnRef idx="2">
-            <a:schemeClr val="accent1">
-              <a:shade val="50000"/>
-            </a:schemeClr>
-          </a:lnRef>
-          <a:fillRef idx="1">
-            <a:schemeClr val="accent1"/>
-          </a:fillRef>
-          <a:effectRef idx="0">
-            <a:schemeClr val="accent1"/>
-          </a:effectRef>
-          <a:fontRef idx="minor">
-            <a:schemeClr val="lt1"/>
-          </a:fontRef>
-        </p:style>
-        <p:txBody>
-          <a:bodyPr rtlCol="0" anchor="ctr"/>
-          <a:lstStyle/>
-          <a:p>
-            <a:pPr algn="ctr"/>
-            <a:endParaRPr lang="en-US"/>
-          </a:p>
-        </p:txBody>
-      </p:sp>
     </p:spTree>
     <p:extLst>
       <p:ext uri="{BB962C8B-B14F-4D97-AF65-F5344CB8AC3E}">
-        <p14:creationId xmlns:p14="http://schemas.microsoft.com/office/powerpoint/2010/main" val="493147294"/>
+        <p14:creationId xmlns:p14="http://schemas.microsoft.com/office/powerpoint/2010/main" val="442720156"/>
       </p:ext>
     </p:extLst>
   </p:cSld>
